--- a/slides/db-08-prog.pptx
+++ b/slides/db-08-prog.pptx
@@ -254,7 +254,7 @@
   </p:defaultTextStyle>
   <p:extLst>
     <p:ext uri="{EFAFB233-063F-42B5-8137-9DF3F51BA10A}">
-      <p15:sldGuideLst xmlns:p15="http://schemas.microsoft.com/office/powerpoint/2012/main">
+      <p15:sldGuideLst xmlns:p15="http://schemas.microsoft.com/office/powerpoint/2012/main" xmlns="">
         <p15:guide id="1" orient="horz" pos="2160">
           <p15:clr>
             <a:srgbClr val="A4A3A4"/>
@@ -268,7 +268,7 @@
       </p15:sldGuideLst>
     </p:ext>
     <p:ext uri="{2D200454-40CA-4A62-9FC3-DE9A4176ACB9}">
-      <p15:notesGuideLst xmlns:p15="http://schemas.microsoft.com/office/powerpoint/2012/main">
+      <p15:notesGuideLst xmlns:p15="http://schemas.microsoft.com/office/powerpoint/2012/main" xmlns="">
         <p15:guide id="1" orient="horz" pos="2880">
           <p15:clr>
             <a:srgbClr val="A4A3A4"/>
@@ -437,7 +437,7 @@
           </a:ln>
           <a:extLst>
             <a:ext uri="{909E8E84-426E-40DD-AFC4-6F175D3DCCD1}">
-              <a14:hiddenFill xmlns:a14="http://schemas.microsoft.com/office/drawing/2010/main">
+              <a14:hiddenFill xmlns:a14="http://schemas.microsoft.com/office/drawing/2010/main" xmlns="">
                 <a:solidFill>
                   <a:srgbClr val="FFFFFF"/>
                 </a:solidFill>
@@ -625,7 +625,7 @@
     </p:spTree>
     <p:extLst>
       <p:ext uri="{BB962C8B-B14F-4D97-AF65-F5344CB8AC3E}">
-        <p14:creationId xmlns:p14="http://schemas.microsoft.com/office/powerpoint/2010/main" val="2087139147"/>
+        <p14:creationId xmlns:p14="http://schemas.microsoft.com/office/powerpoint/2010/main" xmlns="" val="2087139147"/>
       </p:ext>
     </p:extLst>
   </p:cSld>
@@ -787,14 +787,14 @@
           <a:ln/>
           <a:extLst>
             <a:ext uri="{909E8E84-426E-40DD-AFC4-6F175D3DCCD1}">
-              <a14:hiddenFill xmlns:a14="http://schemas.microsoft.com/office/drawing/2010/main">
+              <a14:hiddenFill xmlns:a14="http://schemas.microsoft.com/office/drawing/2010/main" xmlns="">
                 <a:solidFill>
                   <a:srgbClr val="FFFFFF"/>
                 </a:solidFill>
               </a14:hiddenFill>
             </a:ext>
             <a:ext uri="{91240B29-F687-4F45-9708-019B960494DF}">
-              <a14:hiddenLine xmlns:a14="http://schemas.microsoft.com/office/drawing/2010/main" w="9525">
+              <a14:hiddenLine xmlns:a14="http://schemas.microsoft.com/office/drawing/2010/main" xmlns="" w="9525">
                 <a:solidFill>
                   <a:srgbClr val="000000"/>
                 </a:solidFill>
@@ -958,14 +958,14 @@
           <a:ln/>
           <a:extLst>
             <a:ext uri="{909E8E84-426E-40DD-AFC4-6F175D3DCCD1}">
-              <a14:hiddenFill xmlns:a14="http://schemas.microsoft.com/office/drawing/2010/main">
+              <a14:hiddenFill xmlns:a14="http://schemas.microsoft.com/office/drawing/2010/main" xmlns="">
                 <a:solidFill>
                   <a:srgbClr val="FFFFFF"/>
                 </a:solidFill>
               </a14:hiddenFill>
             </a:ext>
             <a:ext uri="{91240B29-F687-4F45-9708-019B960494DF}">
-              <a14:hiddenLine xmlns:a14="http://schemas.microsoft.com/office/drawing/2010/main" w="9525">
+              <a14:hiddenLine xmlns:a14="http://schemas.microsoft.com/office/drawing/2010/main" xmlns="" w="9525">
                 <a:solidFill>
                   <a:srgbClr val="000000"/>
                 </a:solidFill>
@@ -988,7 +988,7 @@
     </p:spTree>
     <p:extLst>
       <p:ext uri="{BB962C8B-B14F-4D97-AF65-F5344CB8AC3E}">
-        <p14:creationId xmlns:p14="http://schemas.microsoft.com/office/powerpoint/2010/main" val="115939831"/>
+        <p14:creationId xmlns:p14="http://schemas.microsoft.com/office/powerpoint/2010/main" xmlns="" val="115939831"/>
       </p:ext>
     </p:extLst>
   </p:cSld>
@@ -1030,14 +1030,14 @@
           <a:ln/>
           <a:extLst>
             <a:ext uri="{909E8E84-426E-40DD-AFC4-6F175D3DCCD1}">
-              <a14:hiddenFill xmlns:a14="http://schemas.microsoft.com/office/drawing/2010/main">
+              <a14:hiddenFill xmlns:a14="http://schemas.microsoft.com/office/drawing/2010/main" xmlns="">
                 <a:solidFill>
                   <a:srgbClr val="FFFFFF"/>
                 </a:solidFill>
               </a14:hiddenFill>
             </a:ext>
             <a:ext uri="{91240B29-F687-4F45-9708-019B960494DF}">
-              <a14:hiddenLine xmlns:a14="http://schemas.microsoft.com/office/drawing/2010/main" w="9525">
+              <a14:hiddenLine xmlns:a14="http://schemas.microsoft.com/office/drawing/2010/main" xmlns="" w="9525">
                 <a:solidFill>
                   <a:srgbClr val="000000"/>
                 </a:solidFill>
@@ -1201,14 +1201,14 @@
           <a:ln/>
           <a:extLst>
             <a:ext uri="{909E8E84-426E-40DD-AFC4-6F175D3DCCD1}">
-              <a14:hiddenFill xmlns:a14="http://schemas.microsoft.com/office/drawing/2010/main">
+              <a14:hiddenFill xmlns:a14="http://schemas.microsoft.com/office/drawing/2010/main" xmlns="">
                 <a:solidFill>
                   <a:srgbClr val="FFFFFF"/>
                 </a:solidFill>
               </a14:hiddenFill>
             </a:ext>
             <a:ext uri="{91240B29-F687-4F45-9708-019B960494DF}">
-              <a14:hiddenLine xmlns:a14="http://schemas.microsoft.com/office/drawing/2010/main" w="9525">
+              <a14:hiddenLine xmlns:a14="http://schemas.microsoft.com/office/drawing/2010/main" xmlns="" w="9525">
                 <a:solidFill>
                   <a:srgbClr val="000000"/>
                 </a:solidFill>
@@ -1285,7 +1285,7 @@
     </p:spTree>
     <p:extLst>
       <p:ext uri="{BB962C8B-B14F-4D97-AF65-F5344CB8AC3E}">
-        <p14:creationId xmlns:p14="http://schemas.microsoft.com/office/powerpoint/2010/main" val="2956110323"/>
+        <p14:creationId xmlns:p14="http://schemas.microsoft.com/office/powerpoint/2010/main" xmlns="" val="2956110323"/>
       </p:ext>
     </p:extLst>
   </p:cSld>
@@ -1327,14 +1327,14 @@
           <a:ln/>
           <a:extLst>
             <a:ext uri="{909E8E84-426E-40DD-AFC4-6F175D3DCCD1}">
-              <a14:hiddenFill xmlns:a14="http://schemas.microsoft.com/office/drawing/2010/main">
+              <a14:hiddenFill xmlns:a14="http://schemas.microsoft.com/office/drawing/2010/main" xmlns="">
                 <a:solidFill>
                   <a:srgbClr val="FFFFFF"/>
                 </a:solidFill>
               </a14:hiddenFill>
             </a:ext>
             <a:ext uri="{91240B29-F687-4F45-9708-019B960494DF}">
-              <a14:hiddenLine xmlns:a14="http://schemas.microsoft.com/office/drawing/2010/main" w="9525">
+              <a14:hiddenLine xmlns:a14="http://schemas.microsoft.com/office/drawing/2010/main" xmlns="" w="9525">
                 <a:solidFill>
                   <a:srgbClr val="000000"/>
                 </a:solidFill>
@@ -1498,14 +1498,14 @@
           <a:ln/>
           <a:extLst>
             <a:ext uri="{909E8E84-426E-40DD-AFC4-6F175D3DCCD1}">
-              <a14:hiddenFill xmlns:a14="http://schemas.microsoft.com/office/drawing/2010/main">
+              <a14:hiddenFill xmlns:a14="http://schemas.microsoft.com/office/drawing/2010/main" xmlns="">
                 <a:solidFill>
                   <a:srgbClr val="FFFFFF"/>
                 </a:solidFill>
               </a14:hiddenFill>
             </a:ext>
             <a:ext uri="{91240B29-F687-4F45-9708-019B960494DF}">
-              <a14:hiddenLine xmlns:a14="http://schemas.microsoft.com/office/drawing/2010/main" w="9525">
+              <a14:hiddenLine xmlns:a14="http://schemas.microsoft.com/office/drawing/2010/main" xmlns="" w="9525">
                 <a:solidFill>
                   <a:srgbClr val="000000"/>
                 </a:solidFill>
@@ -1559,7 +1559,7 @@
     </p:spTree>
     <p:extLst>
       <p:ext uri="{BB962C8B-B14F-4D97-AF65-F5344CB8AC3E}">
-        <p14:creationId xmlns:p14="http://schemas.microsoft.com/office/powerpoint/2010/main" val="2310895304"/>
+        <p14:creationId xmlns:p14="http://schemas.microsoft.com/office/powerpoint/2010/main" xmlns="" val="2310895304"/>
       </p:ext>
     </p:extLst>
   </p:cSld>
@@ -1601,14 +1601,14 @@
           <a:ln/>
           <a:extLst>
             <a:ext uri="{909E8E84-426E-40DD-AFC4-6F175D3DCCD1}">
-              <a14:hiddenFill xmlns:a14="http://schemas.microsoft.com/office/drawing/2010/main">
+              <a14:hiddenFill xmlns:a14="http://schemas.microsoft.com/office/drawing/2010/main" xmlns="">
                 <a:solidFill>
                   <a:srgbClr val="FFFFFF"/>
                 </a:solidFill>
               </a14:hiddenFill>
             </a:ext>
             <a:ext uri="{91240B29-F687-4F45-9708-019B960494DF}">
-              <a14:hiddenLine xmlns:a14="http://schemas.microsoft.com/office/drawing/2010/main" w="9525">
+              <a14:hiddenLine xmlns:a14="http://schemas.microsoft.com/office/drawing/2010/main" xmlns="" w="9525">
                 <a:solidFill>
                   <a:srgbClr val="000000"/>
                 </a:solidFill>
@@ -1772,14 +1772,14 @@
           <a:ln/>
           <a:extLst>
             <a:ext uri="{909E8E84-426E-40DD-AFC4-6F175D3DCCD1}">
-              <a14:hiddenFill xmlns:a14="http://schemas.microsoft.com/office/drawing/2010/main">
+              <a14:hiddenFill xmlns:a14="http://schemas.microsoft.com/office/drawing/2010/main" xmlns="">
                 <a:solidFill>
                   <a:srgbClr val="FFFFFF"/>
                 </a:solidFill>
               </a14:hiddenFill>
             </a:ext>
             <a:ext uri="{91240B29-F687-4F45-9708-019B960494DF}">
-              <a14:hiddenLine xmlns:a14="http://schemas.microsoft.com/office/drawing/2010/main" w="9525">
+              <a14:hiddenLine xmlns:a14="http://schemas.microsoft.com/office/drawing/2010/main" xmlns="" w="9525">
                 <a:solidFill>
                   <a:srgbClr val="000000"/>
                 </a:solidFill>
@@ -1835,7 +1835,7 @@
     </p:spTree>
     <p:extLst>
       <p:ext uri="{BB962C8B-B14F-4D97-AF65-F5344CB8AC3E}">
-        <p14:creationId xmlns:p14="http://schemas.microsoft.com/office/powerpoint/2010/main" val="758714340"/>
+        <p14:creationId xmlns:p14="http://schemas.microsoft.com/office/powerpoint/2010/main" xmlns="" val="758714340"/>
       </p:ext>
     </p:extLst>
   </p:cSld>
@@ -1877,14 +1877,14 @@
           <a:ln/>
           <a:extLst>
             <a:ext uri="{909E8E84-426E-40DD-AFC4-6F175D3DCCD1}">
-              <a14:hiddenFill xmlns:a14="http://schemas.microsoft.com/office/drawing/2010/main">
+              <a14:hiddenFill xmlns:a14="http://schemas.microsoft.com/office/drawing/2010/main" xmlns="">
                 <a:solidFill>
                   <a:srgbClr val="FFFFFF"/>
                 </a:solidFill>
               </a14:hiddenFill>
             </a:ext>
             <a:ext uri="{91240B29-F687-4F45-9708-019B960494DF}">
-              <a14:hiddenLine xmlns:a14="http://schemas.microsoft.com/office/drawing/2010/main" w="9525">
+              <a14:hiddenLine xmlns:a14="http://schemas.microsoft.com/office/drawing/2010/main" xmlns="" w="9525">
                 <a:solidFill>
                   <a:srgbClr val="000000"/>
                 </a:solidFill>
@@ -2048,14 +2048,14 @@
           <a:ln/>
           <a:extLst>
             <a:ext uri="{909E8E84-426E-40DD-AFC4-6F175D3DCCD1}">
-              <a14:hiddenFill xmlns:a14="http://schemas.microsoft.com/office/drawing/2010/main">
+              <a14:hiddenFill xmlns:a14="http://schemas.microsoft.com/office/drawing/2010/main" xmlns="">
                 <a:solidFill>
                   <a:srgbClr val="FFFFFF"/>
                 </a:solidFill>
               </a14:hiddenFill>
             </a:ext>
             <a:ext uri="{91240B29-F687-4F45-9708-019B960494DF}">
-              <a14:hiddenLine xmlns:a14="http://schemas.microsoft.com/office/drawing/2010/main" w="9525">
+              <a14:hiddenLine xmlns:a14="http://schemas.microsoft.com/office/drawing/2010/main" xmlns="" w="9525">
                 <a:solidFill>
                   <a:srgbClr val="000000"/>
                 </a:solidFill>
@@ -2171,7 +2171,7 @@
     </p:spTree>
     <p:extLst>
       <p:ext uri="{BB962C8B-B14F-4D97-AF65-F5344CB8AC3E}">
-        <p14:creationId xmlns:p14="http://schemas.microsoft.com/office/powerpoint/2010/main" val="2106960020"/>
+        <p14:creationId xmlns:p14="http://schemas.microsoft.com/office/powerpoint/2010/main" xmlns="" val="2106960020"/>
       </p:ext>
     </p:extLst>
   </p:cSld>
@@ -2213,14 +2213,14 @@
           <a:ln/>
           <a:extLst>
             <a:ext uri="{909E8E84-426E-40DD-AFC4-6F175D3DCCD1}">
-              <a14:hiddenFill xmlns:a14="http://schemas.microsoft.com/office/drawing/2010/main">
+              <a14:hiddenFill xmlns:a14="http://schemas.microsoft.com/office/drawing/2010/main" xmlns="">
                 <a:solidFill>
                   <a:srgbClr val="FFFFFF"/>
                 </a:solidFill>
               </a14:hiddenFill>
             </a:ext>
             <a:ext uri="{91240B29-F687-4F45-9708-019B960494DF}">
-              <a14:hiddenLine xmlns:a14="http://schemas.microsoft.com/office/drawing/2010/main" w="9525">
+              <a14:hiddenLine xmlns:a14="http://schemas.microsoft.com/office/drawing/2010/main" xmlns="" w="9525">
                 <a:solidFill>
                   <a:srgbClr val="000000"/>
                 </a:solidFill>
@@ -2384,14 +2384,14 @@
           <a:ln/>
           <a:extLst>
             <a:ext uri="{909E8E84-426E-40DD-AFC4-6F175D3DCCD1}">
-              <a14:hiddenFill xmlns:a14="http://schemas.microsoft.com/office/drawing/2010/main">
+              <a14:hiddenFill xmlns:a14="http://schemas.microsoft.com/office/drawing/2010/main" xmlns="">
                 <a:solidFill>
                   <a:srgbClr val="FFFFFF"/>
                 </a:solidFill>
               </a14:hiddenFill>
             </a:ext>
             <a:ext uri="{91240B29-F687-4F45-9708-019B960494DF}">
-              <a14:hiddenLine xmlns:a14="http://schemas.microsoft.com/office/drawing/2010/main" w="9525">
+              <a14:hiddenLine xmlns:a14="http://schemas.microsoft.com/office/drawing/2010/main" xmlns="" w="9525">
                 <a:solidFill>
                   <a:srgbClr val="000000"/>
                 </a:solidFill>
@@ -2471,7 +2471,7 @@
     </p:spTree>
     <p:extLst>
       <p:ext uri="{BB962C8B-B14F-4D97-AF65-F5344CB8AC3E}">
-        <p14:creationId xmlns:p14="http://schemas.microsoft.com/office/powerpoint/2010/main" val="931622946"/>
+        <p14:creationId xmlns:p14="http://schemas.microsoft.com/office/powerpoint/2010/main" xmlns="" val="931622946"/>
       </p:ext>
     </p:extLst>
   </p:cSld>
@@ -2513,14 +2513,14 @@
           <a:ln/>
           <a:extLst>
             <a:ext uri="{909E8E84-426E-40DD-AFC4-6F175D3DCCD1}">
-              <a14:hiddenFill xmlns:a14="http://schemas.microsoft.com/office/drawing/2010/main">
+              <a14:hiddenFill xmlns:a14="http://schemas.microsoft.com/office/drawing/2010/main" xmlns="">
                 <a:solidFill>
                   <a:srgbClr val="FFFFFF"/>
                 </a:solidFill>
               </a14:hiddenFill>
             </a:ext>
             <a:ext uri="{91240B29-F687-4F45-9708-019B960494DF}">
-              <a14:hiddenLine xmlns:a14="http://schemas.microsoft.com/office/drawing/2010/main" w="9525">
+              <a14:hiddenLine xmlns:a14="http://schemas.microsoft.com/office/drawing/2010/main" xmlns="" w="9525">
                 <a:solidFill>
                   <a:srgbClr val="000000"/>
                 </a:solidFill>
@@ -2684,14 +2684,14 @@
           <a:ln/>
           <a:extLst>
             <a:ext uri="{909E8E84-426E-40DD-AFC4-6F175D3DCCD1}">
-              <a14:hiddenFill xmlns:a14="http://schemas.microsoft.com/office/drawing/2010/main">
+              <a14:hiddenFill xmlns:a14="http://schemas.microsoft.com/office/drawing/2010/main" xmlns="">
                 <a:solidFill>
                   <a:srgbClr val="FFFFFF"/>
                 </a:solidFill>
               </a14:hiddenFill>
             </a:ext>
             <a:ext uri="{91240B29-F687-4F45-9708-019B960494DF}">
-              <a14:hiddenLine xmlns:a14="http://schemas.microsoft.com/office/drawing/2010/main" w="9525">
+              <a14:hiddenLine xmlns:a14="http://schemas.microsoft.com/office/drawing/2010/main" xmlns="" w="9525">
                 <a:solidFill>
                   <a:srgbClr val="000000"/>
                 </a:solidFill>
@@ -2775,7 +2775,7 @@
     </p:spTree>
     <p:extLst>
       <p:ext uri="{BB962C8B-B14F-4D97-AF65-F5344CB8AC3E}">
-        <p14:creationId xmlns:p14="http://schemas.microsoft.com/office/powerpoint/2010/main" val="2993566609"/>
+        <p14:creationId xmlns:p14="http://schemas.microsoft.com/office/powerpoint/2010/main" xmlns="" val="2993566609"/>
       </p:ext>
     </p:extLst>
   </p:cSld>
@@ -2817,14 +2817,14 @@
           <a:ln/>
           <a:extLst>
             <a:ext uri="{909E8E84-426E-40DD-AFC4-6F175D3DCCD1}">
-              <a14:hiddenFill xmlns:a14="http://schemas.microsoft.com/office/drawing/2010/main">
+              <a14:hiddenFill xmlns:a14="http://schemas.microsoft.com/office/drawing/2010/main" xmlns="">
                 <a:solidFill>
                   <a:srgbClr val="FFFFFF"/>
                 </a:solidFill>
               </a14:hiddenFill>
             </a:ext>
             <a:ext uri="{91240B29-F687-4F45-9708-019B960494DF}">
-              <a14:hiddenLine xmlns:a14="http://schemas.microsoft.com/office/drawing/2010/main" w="9525">
+              <a14:hiddenLine xmlns:a14="http://schemas.microsoft.com/office/drawing/2010/main" xmlns="" w="9525">
                 <a:solidFill>
                   <a:srgbClr val="000000"/>
                 </a:solidFill>
@@ -2988,14 +2988,14 @@
           <a:ln/>
           <a:extLst>
             <a:ext uri="{909E8E84-426E-40DD-AFC4-6F175D3DCCD1}">
-              <a14:hiddenFill xmlns:a14="http://schemas.microsoft.com/office/drawing/2010/main">
+              <a14:hiddenFill xmlns:a14="http://schemas.microsoft.com/office/drawing/2010/main" xmlns="">
                 <a:solidFill>
                   <a:srgbClr val="FFFFFF"/>
                 </a:solidFill>
               </a14:hiddenFill>
             </a:ext>
             <a:ext uri="{91240B29-F687-4F45-9708-019B960494DF}">
-              <a14:hiddenLine xmlns:a14="http://schemas.microsoft.com/office/drawing/2010/main" w="9525">
+              <a14:hiddenLine xmlns:a14="http://schemas.microsoft.com/office/drawing/2010/main" xmlns="" w="9525">
                 <a:solidFill>
                   <a:srgbClr val="000000"/>
                 </a:solidFill>
@@ -3018,7 +3018,7 @@
     </p:spTree>
     <p:extLst>
       <p:ext uri="{BB962C8B-B14F-4D97-AF65-F5344CB8AC3E}">
-        <p14:creationId xmlns:p14="http://schemas.microsoft.com/office/powerpoint/2010/main" val="2832086529"/>
+        <p14:creationId xmlns:p14="http://schemas.microsoft.com/office/powerpoint/2010/main" xmlns="" val="2832086529"/>
       </p:ext>
     </p:extLst>
   </p:cSld>
@@ -3060,14 +3060,14 @@
           <a:ln/>
           <a:extLst>
             <a:ext uri="{909E8E84-426E-40DD-AFC4-6F175D3DCCD1}">
-              <a14:hiddenFill xmlns:a14="http://schemas.microsoft.com/office/drawing/2010/main">
+              <a14:hiddenFill xmlns:a14="http://schemas.microsoft.com/office/drawing/2010/main" xmlns="">
                 <a:solidFill>
                   <a:srgbClr val="FFFFFF"/>
                 </a:solidFill>
               </a14:hiddenFill>
             </a:ext>
             <a:ext uri="{91240B29-F687-4F45-9708-019B960494DF}">
-              <a14:hiddenLine xmlns:a14="http://schemas.microsoft.com/office/drawing/2010/main" w="9525">
+              <a14:hiddenLine xmlns:a14="http://schemas.microsoft.com/office/drawing/2010/main" xmlns="" w="9525">
                 <a:solidFill>
                   <a:srgbClr val="000000"/>
                 </a:solidFill>
@@ -3231,14 +3231,14 @@
           <a:ln/>
           <a:extLst>
             <a:ext uri="{909E8E84-426E-40DD-AFC4-6F175D3DCCD1}">
-              <a14:hiddenFill xmlns:a14="http://schemas.microsoft.com/office/drawing/2010/main">
+              <a14:hiddenFill xmlns:a14="http://schemas.microsoft.com/office/drawing/2010/main" xmlns="">
                 <a:solidFill>
                   <a:srgbClr val="FFFFFF"/>
                 </a:solidFill>
               </a14:hiddenFill>
             </a:ext>
             <a:ext uri="{91240B29-F687-4F45-9708-019B960494DF}">
-              <a14:hiddenLine xmlns:a14="http://schemas.microsoft.com/office/drawing/2010/main" w="9525">
+              <a14:hiddenLine xmlns:a14="http://schemas.microsoft.com/office/drawing/2010/main" xmlns="" w="9525">
                 <a:solidFill>
                   <a:srgbClr val="000000"/>
                 </a:solidFill>
@@ -3293,7 +3293,7 @@
     </p:spTree>
     <p:extLst>
       <p:ext uri="{BB962C8B-B14F-4D97-AF65-F5344CB8AC3E}">
-        <p14:creationId xmlns:p14="http://schemas.microsoft.com/office/powerpoint/2010/main" val="3253466461"/>
+        <p14:creationId xmlns:p14="http://schemas.microsoft.com/office/powerpoint/2010/main" xmlns="" val="3253466461"/>
       </p:ext>
     </p:extLst>
   </p:cSld>
@@ -3335,14 +3335,14 @@
           <a:ln/>
           <a:extLst>
             <a:ext uri="{909E8E84-426E-40DD-AFC4-6F175D3DCCD1}">
-              <a14:hiddenFill xmlns:a14="http://schemas.microsoft.com/office/drawing/2010/main">
+              <a14:hiddenFill xmlns:a14="http://schemas.microsoft.com/office/drawing/2010/main" xmlns="">
                 <a:solidFill>
                   <a:srgbClr val="FFFFFF"/>
                 </a:solidFill>
               </a14:hiddenFill>
             </a:ext>
             <a:ext uri="{91240B29-F687-4F45-9708-019B960494DF}">
-              <a14:hiddenLine xmlns:a14="http://schemas.microsoft.com/office/drawing/2010/main" w="9525">
+              <a14:hiddenLine xmlns:a14="http://schemas.microsoft.com/office/drawing/2010/main" xmlns="" w="9525">
                 <a:solidFill>
                   <a:srgbClr val="000000"/>
                 </a:solidFill>
@@ -3506,14 +3506,14 @@
           <a:ln/>
           <a:extLst>
             <a:ext uri="{909E8E84-426E-40DD-AFC4-6F175D3DCCD1}">
-              <a14:hiddenFill xmlns:a14="http://schemas.microsoft.com/office/drawing/2010/main">
+              <a14:hiddenFill xmlns:a14="http://schemas.microsoft.com/office/drawing/2010/main" xmlns="">
                 <a:solidFill>
                   <a:srgbClr val="FFFFFF"/>
                 </a:solidFill>
               </a14:hiddenFill>
             </a:ext>
             <a:ext uri="{91240B29-F687-4F45-9708-019B960494DF}">
-              <a14:hiddenLine xmlns:a14="http://schemas.microsoft.com/office/drawing/2010/main" w="9525">
+              <a14:hiddenLine xmlns:a14="http://schemas.microsoft.com/office/drawing/2010/main" xmlns="" w="9525">
                 <a:solidFill>
                   <a:srgbClr val="000000"/>
                 </a:solidFill>
@@ -3536,7 +3536,7 @@
     </p:spTree>
     <p:extLst>
       <p:ext uri="{BB962C8B-B14F-4D97-AF65-F5344CB8AC3E}">
-        <p14:creationId xmlns:p14="http://schemas.microsoft.com/office/powerpoint/2010/main" val="2415779316"/>
+        <p14:creationId xmlns:p14="http://schemas.microsoft.com/office/powerpoint/2010/main" xmlns="" val="2415779316"/>
       </p:ext>
     </p:extLst>
   </p:cSld>
@@ -3578,14 +3578,14 @@
           <a:ln/>
           <a:extLst>
             <a:ext uri="{909E8E84-426E-40DD-AFC4-6F175D3DCCD1}">
-              <a14:hiddenFill xmlns:a14="http://schemas.microsoft.com/office/drawing/2010/main">
+              <a14:hiddenFill xmlns:a14="http://schemas.microsoft.com/office/drawing/2010/main" xmlns="">
                 <a:solidFill>
                   <a:srgbClr val="FFFFFF"/>
                 </a:solidFill>
               </a14:hiddenFill>
             </a:ext>
             <a:ext uri="{91240B29-F687-4F45-9708-019B960494DF}">
-              <a14:hiddenLine xmlns:a14="http://schemas.microsoft.com/office/drawing/2010/main" w="9525">
+              <a14:hiddenLine xmlns:a14="http://schemas.microsoft.com/office/drawing/2010/main" xmlns="" w="9525">
                 <a:solidFill>
                   <a:srgbClr val="000000"/>
                 </a:solidFill>
@@ -3749,14 +3749,14 @@
           <a:ln/>
           <a:extLst>
             <a:ext uri="{909E8E84-426E-40DD-AFC4-6F175D3DCCD1}">
-              <a14:hiddenFill xmlns:a14="http://schemas.microsoft.com/office/drawing/2010/main">
+              <a14:hiddenFill xmlns:a14="http://schemas.microsoft.com/office/drawing/2010/main" xmlns="">
                 <a:solidFill>
                   <a:srgbClr val="FFFFFF"/>
                 </a:solidFill>
               </a14:hiddenFill>
             </a:ext>
             <a:ext uri="{91240B29-F687-4F45-9708-019B960494DF}">
-              <a14:hiddenLine xmlns:a14="http://schemas.microsoft.com/office/drawing/2010/main" w="9525">
+              <a14:hiddenLine xmlns:a14="http://schemas.microsoft.com/office/drawing/2010/main" xmlns="" w="9525">
                 <a:solidFill>
                   <a:srgbClr val="000000"/>
                 </a:solidFill>
@@ -3779,7 +3779,7 @@
     </p:spTree>
     <p:extLst>
       <p:ext uri="{BB962C8B-B14F-4D97-AF65-F5344CB8AC3E}">
-        <p14:creationId xmlns:p14="http://schemas.microsoft.com/office/powerpoint/2010/main" val="3150440221"/>
+        <p14:creationId xmlns:p14="http://schemas.microsoft.com/office/powerpoint/2010/main" xmlns="" val="3150440221"/>
       </p:ext>
     </p:extLst>
   </p:cSld>
@@ -3835,14 +3835,14 @@
           <a:ln/>
           <a:extLst>
             <a:ext uri="{909E8E84-426E-40DD-AFC4-6F175D3DCCD1}">
-              <a14:hiddenFill xmlns:a14="http://schemas.microsoft.com/office/drawing/2010/main">
+              <a14:hiddenFill xmlns:a14="http://schemas.microsoft.com/office/drawing/2010/main" xmlns="">
                 <a:solidFill>
                   <a:srgbClr val="FFFFFF"/>
                 </a:solidFill>
               </a14:hiddenFill>
             </a:ext>
             <a:ext uri="{91240B29-F687-4F45-9708-019B960494DF}">
-              <a14:hiddenLine xmlns:a14="http://schemas.microsoft.com/office/drawing/2010/main" w="9525">
+              <a14:hiddenLine xmlns:a14="http://schemas.microsoft.com/office/drawing/2010/main" xmlns="" w="9525">
                 <a:solidFill>
                   <a:srgbClr val="000000"/>
                 </a:solidFill>
@@ -3937,14 +3937,14 @@
           <a:ln/>
           <a:extLst>
             <a:ext uri="{909E8E84-426E-40DD-AFC4-6F175D3DCCD1}">
-              <a14:hiddenFill xmlns:a14="http://schemas.microsoft.com/office/drawing/2010/main">
+              <a14:hiddenFill xmlns:a14="http://schemas.microsoft.com/office/drawing/2010/main" xmlns="">
                 <a:solidFill>
                   <a:srgbClr val="FFFFFF"/>
                 </a:solidFill>
               </a14:hiddenFill>
             </a:ext>
             <a:ext uri="{91240B29-F687-4F45-9708-019B960494DF}">
-              <a14:hiddenLine xmlns:a14="http://schemas.microsoft.com/office/drawing/2010/main" w="9525">
+              <a14:hiddenLine xmlns:a14="http://schemas.microsoft.com/office/drawing/2010/main" xmlns="" w="9525">
                 <a:solidFill>
                   <a:srgbClr val="000000"/>
                 </a:solidFill>
@@ -4884,14 +4884,14 @@
           <a:effectLst/>
           <a:extLst>
             <a:ext uri="{909E8E84-426E-40DD-AFC4-6F175D3DCCD1}">
-              <a14:hiddenFill xmlns:a14="http://schemas.microsoft.com/office/drawing/2010/main">
+              <a14:hiddenFill xmlns:a14="http://schemas.microsoft.com/office/drawing/2010/main" xmlns="">
                 <a:solidFill>
                   <a:schemeClr val="accent1"/>
                 </a:solidFill>
               </a14:hiddenFill>
             </a:ext>
             <a:ext uri="{91240B29-F687-4F45-9708-019B960494DF}">
-              <a14:hiddenLine xmlns:a14="http://schemas.microsoft.com/office/drawing/2010/main" w="9525">
+              <a14:hiddenLine xmlns:a14="http://schemas.microsoft.com/office/drawing/2010/main" xmlns="" w="9525">
                 <a:solidFill>
                   <a:schemeClr val="tx1"/>
                 </a:solidFill>
@@ -4901,7 +4901,7 @@
               </a14:hiddenLine>
             </a:ext>
             <a:ext uri="{AF507438-7753-43E0-B8FC-AC1667EBCBE1}">
-              <a14:hiddenEffects xmlns:a14="http://schemas.microsoft.com/office/drawing/2010/main">
+              <a14:hiddenEffects xmlns:a14="http://schemas.microsoft.com/office/drawing/2010/main" xmlns="">
                 <a:effectLst>
                   <a:outerShdw dist="35921" dir="2700000" algn="ctr" rotWithShape="0">
                     <a:schemeClr val="bg2"/>
@@ -4977,7 +4977,7 @@
     </p:spTree>
     <p:extLst>
       <p:ext uri="{BB962C8B-B14F-4D97-AF65-F5344CB8AC3E}">
-        <p14:creationId xmlns:p14="http://schemas.microsoft.com/office/powerpoint/2010/main" val="2375820755"/>
+        <p14:creationId xmlns:p14="http://schemas.microsoft.com/office/powerpoint/2010/main" xmlns="" val="2375820755"/>
       </p:ext>
     </p:extLst>
   </p:cSld>
@@ -5019,14 +5019,14 @@
           <a:ln/>
           <a:extLst>
             <a:ext uri="{909E8E84-426E-40DD-AFC4-6F175D3DCCD1}">
-              <a14:hiddenFill xmlns:a14="http://schemas.microsoft.com/office/drawing/2010/main">
+              <a14:hiddenFill xmlns:a14="http://schemas.microsoft.com/office/drawing/2010/main" xmlns="">
                 <a:solidFill>
                   <a:srgbClr val="FFFFFF"/>
                 </a:solidFill>
               </a14:hiddenFill>
             </a:ext>
             <a:ext uri="{91240B29-F687-4F45-9708-019B960494DF}">
-              <a14:hiddenLine xmlns:a14="http://schemas.microsoft.com/office/drawing/2010/main" w="9525">
+              <a14:hiddenLine xmlns:a14="http://schemas.microsoft.com/office/drawing/2010/main" xmlns="" w="9525">
                 <a:solidFill>
                   <a:srgbClr val="000000"/>
                 </a:solidFill>
@@ -5190,14 +5190,14 @@
           <a:ln/>
           <a:extLst>
             <a:ext uri="{909E8E84-426E-40DD-AFC4-6F175D3DCCD1}">
-              <a14:hiddenFill xmlns:a14="http://schemas.microsoft.com/office/drawing/2010/main">
+              <a14:hiddenFill xmlns:a14="http://schemas.microsoft.com/office/drawing/2010/main" xmlns="">
                 <a:solidFill>
                   <a:srgbClr val="FFFFFF"/>
                 </a:solidFill>
               </a14:hiddenFill>
             </a:ext>
             <a:ext uri="{91240B29-F687-4F45-9708-019B960494DF}">
-              <a14:hiddenLine xmlns:a14="http://schemas.microsoft.com/office/drawing/2010/main" w="9525">
+              <a14:hiddenLine xmlns:a14="http://schemas.microsoft.com/office/drawing/2010/main" xmlns="" w="9525">
                 <a:solidFill>
                   <a:srgbClr val="000000"/>
                 </a:solidFill>
@@ -5257,7 +5257,7 @@
     </p:spTree>
     <p:extLst>
       <p:ext uri="{BB962C8B-B14F-4D97-AF65-F5344CB8AC3E}">
-        <p14:creationId xmlns:p14="http://schemas.microsoft.com/office/powerpoint/2010/main" val="3426272166"/>
+        <p14:creationId xmlns:p14="http://schemas.microsoft.com/office/powerpoint/2010/main" xmlns="" val="3426272166"/>
       </p:ext>
     </p:extLst>
   </p:cSld>
@@ -5299,14 +5299,14 @@
           <a:ln/>
           <a:extLst>
             <a:ext uri="{909E8E84-426E-40DD-AFC4-6F175D3DCCD1}">
-              <a14:hiddenFill xmlns:a14="http://schemas.microsoft.com/office/drawing/2010/main">
+              <a14:hiddenFill xmlns:a14="http://schemas.microsoft.com/office/drawing/2010/main" xmlns="">
                 <a:solidFill>
                   <a:srgbClr val="FFFFFF"/>
                 </a:solidFill>
               </a14:hiddenFill>
             </a:ext>
             <a:ext uri="{91240B29-F687-4F45-9708-019B960494DF}">
-              <a14:hiddenLine xmlns:a14="http://schemas.microsoft.com/office/drawing/2010/main" w="9525">
+              <a14:hiddenLine xmlns:a14="http://schemas.microsoft.com/office/drawing/2010/main" xmlns="" w="9525">
                 <a:solidFill>
                   <a:srgbClr val="000000"/>
                 </a:solidFill>
@@ -5470,14 +5470,14 @@
           <a:ln/>
           <a:extLst>
             <a:ext uri="{909E8E84-426E-40DD-AFC4-6F175D3DCCD1}">
-              <a14:hiddenFill xmlns:a14="http://schemas.microsoft.com/office/drawing/2010/main">
+              <a14:hiddenFill xmlns:a14="http://schemas.microsoft.com/office/drawing/2010/main" xmlns="">
                 <a:solidFill>
                   <a:srgbClr val="FFFFFF"/>
                 </a:solidFill>
               </a14:hiddenFill>
             </a:ext>
             <a:ext uri="{91240B29-F687-4F45-9708-019B960494DF}">
-              <a14:hiddenLine xmlns:a14="http://schemas.microsoft.com/office/drawing/2010/main" w="9525">
+              <a14:hiddenLine xmlns:a14="http://schemas.microsoft.com/office/drawing/2010/main" xmlns="" w="9525">
                 <a:solidFill>
                   <a:srgbClr val="000000"/>
                 </a:solidFill>
@@ -5500,7 +5500,7 @@
     </p:spTree>
     <p:extLst>
       <p:ext uri="{BB962C8B-B14F-4D97-AF65-F5344CB8AC3E}">
-        <p14:creationId xmlns:p14="http://schemas.microsoft.com/office/powerpoint/2010/main" val="3006802104"/>
+        <p14:creationId xmlns:p14="http://schemas.microsoft.com/office/powerpoint/2010/main" xmlns="" val="3006802104"/>
       </p:ext>
     </p:extLst>
   </p:cSld>
@@ -5542,14 +5542,14 @@
           <a:ln/>
           <a:extLst>
             <a:ext uri="{909E8E84-426E-40DD-AFC4-6F175D3DCCD1}">
-              <a14:hiddenFill xmlns:a14="http://schemas.microsoft.com/office/drawing/2010/main">
+              <a14:hiddenFill xmlns:a14="http://schemas.microsoft.com/office/drawing/2010/main" xmlns="">
                 <a:solidFill>
                   <a:srgbClr val="FFFFFF"/>
                 </a:solidFill>
               </a14:hiddenFill>
             </a:ext>
             <a:ext uri="{91240B29-F687-4F45-9708-019B960494DF}">
-              <a14:hiddenLine xmlns:a14="http://schemas.microsoft.com/office/drawing/2010/main" w="9525">
+              <a14:hiddenLine xmlns:a14="http://schemas.microsoft.com/office/drawing/2010/main" xmlns="" w="9525">
                 <a:solidFill>
                   <a:srgbClr val="000000"/>
                 </a:solidFill>
@@ -5713,14 +5713,14 @@
           <a:ln/>
           <a:extLst>
             <a:ext uri="{909E8E84-426E-40DD-AFC4-6F175D3DCCD1}">
-              <a14:hiddenFill xmlns:a14="http://schemas.microsoft.com/office/drawing/2010/main">
+              <a14:hiddenFill xmlns:a14="http://schemas.microsoft.com/office/drawing/2010/main" xmlns="">
                 <a:solidFill>
                   <a:srgbClr val="FFFFFF"/>
                 </a:solidFill>
               </a14:hiddenFill>
             </a:ext>
             <a:ext uri="{91240B29-F687-4F45-9708-019B960494DF}">
-              <a14:hiddenLine xmlns:a14="http://schemas.microsoft.com/office/drawing/2010/main" w="9525">
+              <a14:hiddenLine xmlns:a14="http://schemas.microsoft.com/office/drawing/2010/main" xmlns="" w="9525">
                 <a:solidFill>
                   <a:srgbClr val="000000"/>
                 </a:solidFill>
@@ -5773,7 +5773,7 @@
     </p:spTree>
     <p:extLst>
       <p:ext uri="{BB962C8B-B14F-4D97-AF65-F5344CB8AC3E}">
-        <p14:creationId xmlns:p14="http://schemas.microsoft.com/office/powerpoint/2010/main" val="4173501677"/>
+        <p14:creationId xmlns:p14="http://schemas.microsoft.com/office/powerpoint/2010/main" xmlns="" val="4173501677"/>
       </p:ext>
     </p:extLst>
   </p:cSld>
@@ -5815,14 +5815,14 @@
           <a:ln/>
           <a:extLst>
             <a:ext uri="{909E8E84-426E-40DD-AFC4-6F175D3DCCD1}">
-              <a14:hiddenFill xmlns:a14="http://schemas.microsoft.com/office/drawing/2010/main">
+              <a14:hiddenFill xmlns:a14="http://schemas.microsoft.com/office/drawing/2010/main" xmlns="">
                 <a:solidFill>
                   <a:srgbClr val="FFFFFF"/>
                 </a:solidFill>
               </a14:hiddenFill>
             </a:ext>
             <a:ext uri="{91240B29-F687-4F45-9708-019B960494DF}">
-              <a14:hiddenLine xmlns:a14="http://schemas.microsoft.com/office/drawing/2010/main" w="9525">
+              <a14:hiddenLine xmlns:a14="http://schemas.microsoft.com/office/drawing/2010/main" xmlns="" w="9525">
                 <a:solidFill>
                   <a:srgbClr val="000000"/>
                 </a:solidFill>
@@ -5986,14 +5986,14 @@
           <a:ln/>
           <a:extLst>
             <a:ext uri="{909E8E84-426E-40DD-AFC4-6F175D3DCCD1}">
-              <a14:hiddenFill xmlns:a14="http://schemas.microsoft.com/office/drawing/2010/main">
+              <a14:hiddenFill xmlns:a14="http://schemas.microsoft.com/office/drawing/2010/main" xmlns="">
                 <a:solidFill>
                   <a:srgbClr val="FFFFFF"/>
                 </a:solidFill>
               </a14:hiddenFill>
             </a:ext>
             <a:ext uri="{91240B29-F687-4F45-9708-019B960494DF}">
-              <a14:hiddenLine xmlns:a14="http://schemas.microsoft.com/office/drawing/2010/main" w="9525">
+              <a14:hiddenLine xmlns:a14="http://schemas.microsoft.com/office/drawing/2010/main" xmlns="" w="9525">
                 <a:solidFill>
                   <a:srgbClr val="000000"/>
                 </a:solidFill>
@@ -6039,7 +6039,7 @@
     </p:spTree>
     <p:extLst>
       <p:ext uri="{BB962C8B-B14F-4D97-AF65-F5344CB8AC3E}">
-        <p14:creationId xmlns:p14="http://schemas.microsoft.com/office/powerpoint/2010/main" val="3888730433"/>
+        <p14:creationId xmlns:p14="http://schemas.microsoft.com/office/powerpoint/2010/main" xmlns="" val="3888730433"/>
       </p:ext>
     </p:extLst>
   </p:cSld>
@@ -6081,14 +6081,14 @@
           <a:ln/>
           <a:extLst>
             <a:ext uri="{909E8E84-426E-40DD-AFC4-6F175D3DCCD1}">
-              <a14:hiddenFill xmlns:a14="http://schemas.microsoft.com/office/drawing/2010/main">
+              <a14:hiddenFill xmlns:a14="http://schemas.microsoft.com/office/drawing/2010/main" xmlns="">
                 <a:solidFill>
                   <a:srgbClr val="FFFFFF"/>
                 </a:solidFill>
               </a14:hiddenFill>
             </a:ext>
             <a:ext uri="{91240B29-F687-4F45-9708-019B960494DF}">
-              <a14:hiddenLine xmlns:a14="http://schemas.microsoft.com/office/drawing/2010/main" w="9525">
+              <a14:hiddenLine xmlns:a14="http://schemas.microsoft.com/office/drawing/2010/main" xmlns="" w="9525">
                 <a:solidFill>
                   <a:srgbClr val="000000"/>
                 </a:solidFill>
@@ -6252,14 +6252,14 @@
           <a:ln/>
           <a:extLst>
             <a:ext uri="{909E8E84-426E-40DD-AFC4-6F175D3DCCD1}">
-              <a14:hiddenFill xmlns:a14="http://schemas.microsoft.com/office/drawing/2010/main">
+              <a14:hiddenFill xmlns:a14="http://schemas.microsoft.com/office/drawing/2010/main" xmlns="">
                 <a:solidFill>
                   <a:srgbClr val="FFFFFF"/>
                 </a:solidFill>
               </a14:hiddenFill>
             </a:ext>
             <a:ext uri="{91240B29-F687-4F45-9708-019B960494DF}">
-              <a14:hiddenLine xmlns:a14="http://schemas.microsoft.com/office/drawing/2010/main" w="9525">
+              <a14:hiddenLine xmlns:a14="http://schemas.microsoft.com/office/drawing/2010/main" xmlns="" w="9525">
                 <a:solidFill>
                   <a:srgbClr val="000000"/>
                 </a:solidFill>
@@ -6290,7 +6290,7 @@
     </p:spTree>
     <p:extLst>
       <p:ext uri="{BB962C8B-B14F-4D97-AF65-F5344CB8AC3E}">
-        <p14:creationId xmlns:p14="http://schemas.microsoft.com/office/powerpoint/2010/main" val="2831550065"/>
+        <p14:creationId xmlns:p14="http://schemas.microsoft.com/office/powerpoint/2010/main" xmlns="" val="2831550065"/>
       </p:ext>
     </p:extLst>
   </p:cSld>
@@ -6332,14 +6332,14 @@
           <a:ln/>
           <a:extLst>
             <a:ext uri="{909E8E84-426E-40DD-AFC4-6F175D3DCCD1}">
-              <a14:hiddenFill xmlns:a14="http://schemas.microsoft.com/office/drawing/2010/main">
+              <a14:hiddenFill xmlns:a14="http://schemas.microsoft.com/office/drawing/2010/main" xmlns="">
                 <a:solidFill>
                   <a:srgbClr val="FFFFFF"/>
                 </a:solidFill>
               </a14:hiddenFill>
             </a:ext>
             <a:ext uri="{91240B29-F687-4F45-9708-019B960494DF}">
-              <a14:hiddenLine xmlns:a14="http://schemas.microsoft.com/office/drawing/2010/main" w="9525">
+              <a14:hiddenLine xmlns:a14="http://schemas.microsoft.com/office/drawing/2010/main" xmlns="" w="9525">
                 <a:solidFill>
                   <a:srgbClr val="000000"/>
                 </a:solidFill>
@@ -6503,14 +6503,14 @@
           <a:ln/>
           <a:extLst>
             <a:ext uri="{909E8E84-426E-40DD-AFC4-6F175D3DCCD1}">
-              <a14:hiddenFill xmlns:a14="http://schemas.microsoft.com/office/drawing/2010/main">
+              <a14:hiddenFill xmlns:a14="http://schemas.microsoft.com/office/drawing/2010/main" xmlns="">
                 <a:solidFill>
                   <a:srgbClr val="FFFFFF"/>
                 </a:solidFill>
               </a14:hiddenFill>
             </a:ext>
             <a:ext uri="{91240B29-F687-4F45-9708-019B960494DF}">
-              <a14:hiddenLine xmlns:a14="http://schemas.microsoft.com/office/drawing/2010/main" w="9525">
+              <a14:hiddenLine xmlns:a14="http://schemas.microsoft.com/office/drawing/2010/main" xmlns="" w="9525">
                 <a:solidFill>
                   <a:srgbClr val="000000"/>
                 </a:solidFill>
@@ -6533,7 +6533,7 @@
     </p:spTree>
     <p:extLst>
       <p:ext uri="{BB962C8B-B14F-4D97-AF65-F5344CB8AC3E}">
-        <p14:creationId xmlns:p14="http://schemas.microsoft.com/office/powerpoint/2010/main" val="2478414322"/>
+        <p14:creationId xmlns:p14="http://schemas.microsoft.com/office/powerpoint/2010/main" xmlns="" val="2478414322"/>
       </p:ext>
     </p:extLst>
   </p:cSld>
@@ -6575,14 +6575,14 @@
           <a:ln/>
           <a:extLst>
             <a:ext uri="{909E8E84-426E-40DD-AFC4-6F175D3DCCD1}">
-              <a14:hiddenFill xmlns:a14="http://schemas.microsoft.com/office/drawing/2010/main">
+              <a14:hiddenFill xmlns:a14="http://schemas.microsoft.com/office/drawing/2010/main" xmlns="">
                 <a:solidFill>
                   <a:srgbClr val="FFFFFF"/>
                 </a:solidFill>
               </a14:hiddenFill>
             </a:ext>
             <a:ext uri="{91240B29-F687-4F45-9708-019B960494DF}">
-              <a14:hiddenLine xmlns:a14="http://schemas.microsoft.com/office/drawing/2010/main" w="9525">
+              <a14:hiddenLine xmlns:a14="http://schemas.microsoft.com/office/drawing/2010/main" xmlns="" w="9525">
                 <a:solidFill>
                   <a:srgbClr val="000000"/>
                 </a:solidFill>
@@ -6746,14 +6746,14 @@
           <a:ln/>
           <a:extLst>
             <a:ext uri="{909E8E84-426E-40DD-AFC4-6F175D3DCCD1}">
-              <a14:hiddenFill xmlns:a14="http://schemas.microsoft.com/office/drawing/2010/main">
+              <a14:hiddenFill xmlns:a14="http://schemas.microsoft.com/office/drawing/2010/main" xmlns="">
                 <a:solidFill>
                   <a:srgbClr val="FFFFFF"/>
                 </a:solidFill>
               </a14:hiddenFill>
             </a:ext>
             <a:ext uri="{91240B29-F687-4F45-9708-019B960494DF}">
-              <a14:hiddenLine xmlns:a14="http://schemas.microsoft.com/office/drawing/2010/main" w="9525">
+              <a14:hiddenLine xmlns:a14="http://schemas.microsoft.com/office/drawing/2010/main" xmlns="" w="9525">
                 <a:solidFill>
                   <a:srgbClr val="000000"/>
                 </a:solidFill>
@@ -6859,7 +6859,7 @@
     </p:spTree>
     <p:extLst>
       <p:ext uri="{BB962C8B-B14F-4D97-AF65-F5344CB8AC3E}">
-        <p14:creationId xmlns:p14="http://schemas.microsoft.com/office/powerpoint/2010/main" val="3096115895"/>
+        <p14:creationId xmlns:p14="http://schemas.microsoft.com/office/powerpoint/2010/main" xmlns="" val="3096115895"/>
       </p:ext>
     </p:extLst>
   </p:cSld>
@@ -6901,14 +6901,14 @@
           <a:ln/>
           <a:extLst>
             <a:ext uri="{909E8E84-426E-40DD-AFC4-6F175D3DCCD1}">
-              <a14:hiddenFill xmlns:a14="http://schemas.microsoft.com/office/drawing/2010/main">
+              <a14:hiddenFill xmlns:a14="http://schemas.microsoft.com/office/drawing/2010/main" xmlns="">
                 <a:solidFill>
                   <a:srgbClr val="FFFFFF"/>
                 </a:solidFill>
               </a14:hiddenFill>
             </a:ext>
             <a:ext uri="{91240B29-F687-4F45-9708-019B960494DF}">
-              <a14:hiddenLine xmlns:a14="http://schemas.microsoft.com/office/drawing/2010/main" w="9525">
+              <a14:hiddenLine xmlns:a14="http://schemas.microsoft.com/office/drawing/2010/main" xmlns="" w="9525">
                 <a:solidFill>
                   <a:srgbClr val="000000"/>
                 </a:solidFill>
@@ -7072,14 +7072,14 @@
           <a:ln/>
           <a:extLst>
             <a:ext uri="{909E8E84-426E-40DD-AFC4-6F175D3DCCD1}">
-              <a14:hiddenFill xmlns:a14="http://schemas.microsoft.com/office/drawing/2010/main">
+              <a14:hiddenFill xmlns:a14="http://schemas.microsoft.com/office/drawing/2010/main" xmlns="">
                 <a:solidFill>
                   <a:srgbClr val="FFFFFF"/>
                 </a:solidFill>
               </a14:hiddenFill>
             </a:ext>
             <a:ext uri="{91240B29-F687-4F45-9708-019B960494DF}">
-              <a14:hiddenLine xmlns:a14="http://schemas.microsoft.com/office/drawing/2010/main" w="9525">
+              <a14:hiddenLine xmlns:a14="http://schemas.microsoft.com/office/drawing/2010/main" xmlns="" w="9525">
                 <a:solidFill>
                   <a:srgbClr val="000000"/>
                 </a:solidFill>
@@ -7102,7 +7102,7 @@
     </p:spTree>
     <p:extLst>
       <p:ext uri="{BB962C8B-B14F-4D97-AF65-F5344CB8AC3E}">
-        <p14:creationId xmlns:p14="http://schemas.microsoft.com/office/powerpoint/2010/main" val="3096138874"/>
+        <p14:creationId xmlns:p14="http://schemas.microsoft.com/office/powerpoint/2010/main" xmlns="" val="3096138874"/>
       </p:ext>
     </p:extLst>
   </p:cSld>
@@ -7144,14 +7144,14 @@
           <a:ln/>
           <a:extLst>
             <a:ext uri="{909E8E84-426E-40DD-AFC4-6F175D3DCCD1}">
-              <a14:hiddenFill xmlns:a14="http://schemas.microsoft.com/office/drawing/2010/main">
+              <a14:hiddenFill xmlns:a14="http://schemas.microsoft.com/office/drawing/2010/main" xmlns="">
                 <a:solidFill>
                   <a:srgbClr val="FFFFFF"/>
                 </a:solidFill>
               </a14:hiddenFill>
             </a:ext>
             <a:ext uri="{91240B29-F687-4F45-9708-019B960494DF}">
-              <a14:hiddenLine xmlns:a14="http://schemas.microsoft.com/office/drawing/2010/main" w="9525">
+              <a14:hiddenLine xmlns:a14="http://schemas.microsoft.com/office/drawing/2010/main" xmlns="" w="9525">
                 <a:solidFill>
                   <a:srgbClr val="000000"/>
                 </a:solidFill>
@@ -7315,14 +7315,14 @@
           <a:ln/>
           <a:extLst>
             <a:ext uri="{909E8E84-426E-40DD-AFC4-6F175D3DCCD1}">
-              <a14:hiddenFill xmlns:a14="http://schemas.microsoft.com/office/drawing/2010/main">
+              <a14:hiddenFill xmlns:a14="http://schemas.microsoft.com/office/drawing/2010/main" xmlns="">
                 <a:solidFill>
                   <a:srgbClr val="FFFFFF"/>
                 </a:solidFill>
               </a14:hiddenFill>
             </a:ext>
             <a:ext uri="{91240B29-F687-4F45-9708-019B960494DF}">
-              <a14:hiddenLine xmlns:a14="http://schemas.microsoft.com/office/drawing/2010/main" w="9525">
+              <a14:hiddenLine xmlns:a14="http://schemas.microsoft.com/office/drawing/2010/main" xmlns="" w="9525">
                 <a:solidFill>
                   <a:srgbClr val="000000"/>
                 </a:solidFill>
@@ -7339,11 +7339,11 @@
           <a:p>
             <a:pPr eaLnBrk="1" hangingPunct="1"/>
             <a:r>
-              <a:rPr lang="ru-RU" smtClean="0"/>
+              <a:rPr lang="ru-RU" dirty="0" smtClean="0"/>
               <a:t>Для редактирования необходимо иметь привилегии </a:t>
             </a:r>
             <a:r>
-              <a:rPr lang="en-US" smtClean="0"/>
+              <a:rPr lang="en-US" dirty="0" smtClean="0"/>
               <a:t>ALTER ROUTINE. </a:t>
             </a:r>
             <a:r>
@@ -7356,7 +7356,7 @@
     </p:spTree>
     <p:extLst>
       <p:ext uri="{BB962C8B-B14F-4D97-AF65-F5344CB8AC3E}">
-        <p14:creationId xmlns:p14="http://schemas.microsoft.com/office/powerpoint/2010/main" val="310466288"/>
+        <p14:creationId xmlns:p14="http://schemas.microsoft.com/office/powerpoint/2010/main" xmlns="" val="310466288"/>
       </p:ext>
     </p:extLst>
   </p:cSld>
@@ -7398,14 +7398,14 @@
           <a:ln/>
           <a:extLst>
             <a:ext uri="{909E8E84-426E-40DD-AFC4-6F175D3DCCD1}">
-              <a14:hiddenFill xmlns:a14="http://schemas.microsoft.com/office/drawing/2010/main">
+              <a14:hiddenFill xmlns:a14="http://schemas.microsoft.com/office/drawing/2010/main" xmlns="">
                 <a:solidFill>
                   <a:srgbClr val="FFFFFF"/>
                 </a:solidFill>
               </a14:hiddenFill>
             </a:ext>
             <a:ext uri="{91240B29-F687-4F45-9708-019B960494DF}">
-              <a14:hiddenLine xmlns:a14="http://schemas.microsoft.com/office/drawing/2010/main" w="9525">
+              <a14:hiddenLine xmlns:a14="http://schemas.microsoft.com/office/drawing/2010/main" xmlns="" w="9525">
                 <a:solidFill>
                   <a:srgbClr val="000000"/>
                 </a:solidFill>
@@ -7569,14 +7569,14 @@
           <a:ln/>
           <a:extLst>
             <a:ext uri="{909E8E84-426E-40DD-AFC4-6F175D3DCCD1}">
-              <a14:hiddenFill xmlns:a14="http://schemas.microsoft.com/office/drawing/2010/main">
+              <a14:hiddenFill xmlns:a14="http://schemas.microsoft.com/office/drawing/2010/main" xmlns="">
                 <a:solidFill>
                   <a:srgbClr val="FFFFFF"/>
                 </a:solidFill>
               </a14:hiddenFill>
             </a:ext>
             <a:ext uri="{91240B29-F687-4F45-9708-019B960494DF}">
-              <a14:hiddenLine xmlns:a14="http://schemas.microsoft.com/office/drawing/2010/main" w="9525">
+              <a14:hiddenLine xmlns:a14="http://schemas.microsoft.com/office/drawing/2010/main" xmlns="" w="9525">
                 <a:solidFill>
                   <a:srgbClr val="000000"/>
                 </a:solidFill>
@@ -7812,7 +7812,7 @@
     </p:spTree>
     <p:extLst>
       <p:ext uri="{BB962C8B-B14F-4D97-AF65-F5344CB8AC3E}">
-        <p14:creationId xmlns:p14="http://schemas.microsoft.com/office/powerpoint/2010/main" val="3091915906"/>
+        <p14:creationId xmlns:p14="http://schemas.microsoft.com/office/powerpoint/2010/main" xmlns="" val="3091915906"/>
       </p:ext>
     </p:extLst>
   </p:cSld>
@@ -7854,14 +7854,14 @@
           <a:ln/>
           <a:extLst>
             <a:ext uri="{909E8E84-426E-40DD-AFC4-6F175D3DCCD1}">
-              <a14:hiddenFill xmlns:a14="http://schemas.microsoft.com/office/drawing/2010/main">
+              <a14:hiddenFill xmlns:a14="http://schemas.microsoft.com/office/drawing/2010/main" xmlns="">
                 <a:solidFill>
                   <a:srgbClr val="FFFFFF"/>
                 </a:solidFill>
               </a14:hiddenFill>
             </a:ext>
             <a:ext uri="{91240B29-F687-4F45-9708-019B960494DF}">
-              <a14:hiddenLine xmlns:a14="http://schemas.microsoft.com/office/drawing/2010/main" w="9525">
+              <a14:hiddenLine xmlns:a14="http://schemas.microsoft.com/office/drawing/2010/main" xmlns="" w="9525">
                 <a:solidFill>
                   <a:srgbClr val="000000"/>
                 </a:solidFill>
@@ -8025,14 +8025,14 @@
           <a:ln/>
           <a:extLst>
             <a:ext uri="{909E8E84-426E-40DD-AFC4-6F175D3DCCD1}">
-              <a14:hiddenFill xmlns:a14="http://schemas.microsoft.com/office/drawing/2010/main">
+              <a14:hiddenFill xmlns:a14="http://schemas.microsoft.com/office/drawing/2010/main" xmlns="">
                 <a:solidFill>
                   <a:srgbClr val="FFFFFF"/>
                 </a:solidFill>
               </a14:hiddenFill>
             </a:ext>
             <a:ext uri="{91240B29-F687-4F45-9708-019B960494DF}">
-              <a14:hiddenLine xmlns:a14="http://schemas.microsoft.com/office/drawing/2010/main" w="9525">
+              <a14:hiddenLine xmlns:a14="http://schemas.microsoft.com/office/drawing/2010/main" xmlns="" w="9525">
                 <a:solidFill>
                   <a:srgbClr val="000000"/>
                 </a:solidFill>
@@ -8055,7 +8055,7 @@
     </p:spTree>
     <p:extLst>
       <p:ext uri="{BB962C8B-B14F-4D97-AF65-F5344CB8AC3E}">
-        <p14:creationId xmlns:p14="http://schemas.microsoft.com/office/powerpoint/2010/main" val="1048221868"/>
+        <p14:creationId xmlns:p14="http://schemas.microsoft.com/office/powerpoint/2010/main" xmlns="" val="1048221868"/>
       </p:ext>
     </p:extLst>
   </p:cSld>
@@ -8097,14 +8097,14 @@
           <a:ln/>
           <a:extLst>
             <a:ext uri="{909E8E84-426E-40DD-AFC4-6F175D3DCCD1}">
-              <a14:hiddenFill xmlns:a14="http://schemas.microsoft.com/office/drawing/2010/main">
+              <a14:hiddenFill xmlns:a14="http://schemas.microsoft.com/office/drawing/2010/main" xmlns="">
                 <a:solidFill>
                   <a:srgbClr val="FFFFFF"/>
                 </a:solidFill>
               </a14:hiddenFill>
             </a:ext>
             <a:ext uri="{91240B29-F687-4F45-9708-019B960494DF}">
-              <a14:hiddenLine xmlns:a14="http://schemas.microsoft.com/office/drawing/2010/main" w="9525">
+              <a14:hiddenLine xmlns:a14="http://schemas.microsoft.com/office/drawing/2010/main" xmlns="" w="9525">
                 <a:solidFill>
                   <a:srgbClr val="000000"/>
                 </a:solidFill>
@@ -8268,14 +8268,14 @@
           <a:ln/>
           <a:extLst>
             <a:ext uri="{909E8E84-426E-40DD-AFC4-6F175D3DCCD1}">
-              <a14:hiddenFill xmlns:a14="http://schemas.microsoft.com/office/drawing/2010/main">
+              <a14:hiddenFill xmlns:a14="http://schemas.microsoft.com/office/drawing/2010/main" xmlns="">
                 <a:solidFill>
                   <a:srgbClr val="FFFFFF"/>
                 </a:solidFill>
               </a14:hiddenFill>
             </a:ext>
             <a:ext uri="{91240B29-F687-4F45-9708-019B960494DF}">
-              <a14:hiddenLine xmlns:a14="http://schemas.microsoft.com/office/drawing/2010/main" w="9525">
+              <a14:hiddenLine xmlns:a14="http://schemas.microsoft.com/office/drawing/2010/main" xmlns="" w="9525">
                 <a:solidFill>
                   <a:srgbClr val="000000"/>
                 </a:solidFill>
@@ -8298,7 +8298,7 @@
     </p:spTree>
     <p:extLst>
       <p:ext uri="{BB962C8B-B14F-4D97-AF65-F5344CB8AC3E}">
-        <p14:creationId xmlns:p14="http://schemas.microsoft.com/office/powerpoint/2010/main" val="2021053298"/>
+        <p14:creationId xmlns:p14="http://schemas.microsoft.com/office/powerpoint/2010/main" xmlns="" val="2021053298"/>
       </p:ext>
     </p:extLst>
   </p:cSld>
@@ -8340,14 +8340,14 @@
           <a:ln/>
           <a:extLst>
             <a:ext uri="{909E8E84-426E-40DD-AFC4-6F175D3DCCD1}">
-              <a14:hiddenFill xmlns:a14="http://schemas.microsoft.com/office/drawing/2010/main">
+              <a14:hiddenFill xmlns:a14="http://schemas.microsoft.com/office/drawing/2010/main" xmlns="">
                 <a:solidFill>
                   <a:srgbClr val="FFFFFF"/>
                 </a:solidFill>
               </a14:hiddenFill>
             </a:ext>
             <a:ext uri="{91240B29-F687-4F45-9708-019B960494DF}">
-              <a14:hiddenLine xmlns:a14="http://schemas.microsoft.com/office/drawing/2010/main" w="9525">
+              <a14:hiddenLine xmlns:a14="http://schemas.microsoft.com/office/drawing/2010/main" xmlns="" w="9525">
                 <a:solidFill>
                   <a:srgbClr val="000000"/>
                 </a:solidFill>
@@ -8668,7 +8668,7 @@
     </p:spTree>
     <p:extLst>
       <p:ext uri="{BB962C8B-B14F-4D97-AF65-F5344CB8AC3E}">
-        <p14:creationId xmlns:p14="http://schemas.microsoft.com/office/powerpoint/2010/main" val="2329919110"/>
+        <p14:creationId xmlns:p14="http://schemas.microsoft.com/office/powerpoint/2010/main" xmlns="" val="2329919110"/>
       </p:ext>
     </p:extLst>
   </p:cSld>
@@ -8710,14 +8710,14 @@
           <a:ln/>
           <a:extLst>
             <a:ext uri="{909E8E84-426E-40DD-AFC4-6F175D3DCCD1}">
-              <a14:hiddenFill xmlns:a14="http://schemas.microsoft.com/office/drawing/2010/main">
+              <a14:hiddenFill xmlns:a14="http://schemas.microsoft.com/office/drawing/2010/main" xmlns="">
                 <a:solidFill>
                   <a:srgbClr val="FFFFFF"/>
                 </a:solidFill>
               </a14:hiddenFill>
             </a:ext>
             <a:ext uri="{91240B29-F687-4F45-9708-019B960494DF}">
-              <a14:hiddenLine xmlns:a14="http://schemas.microsoft.com/office/drawing/2010/main" w="9525">
+              <a14:hiddenLine xmlns:a14="http://schemas.microsoft.com/office/drawing/2010/main" xmlns="" w="9525">
                 <a:solidFill>
                   <a:srgbClr val="000000"/>
                 </a:solidFill>
@@ -8981,7 +8981,7 @@
     </p:spTree>
     <p:extLst>
       <p:ext uri="{BB962C8B-B14F-4D97-AF65-F5344CB8AC3E}">
-        <p14:creationId xmlns:p14="http://schemas.microsoft.com/office/powerpoint/2010/main" val="3143655750"/>
+        <p14:creationId xmlns:p14="http://schemas.microsoft.com/office/powerpoint/2010/main" xmlns="" val="3143655750"/>
       </p:ext>
     </p:extLst>
   </p:cSld>
@@ -9023,14 +9023,14 @@
           <a:ln/>
           <a:extLst>
             <a:ext uri="{909E8E84-426E-40DD-AFC4-6F175D3DCCD1}">
-              <a14:hiddenFill xmlns:a14="http://schemas.microsoft.com/office/drawing/2010/main">
+              <a14:hiddenFill xmlns:a14="http://schemas.microsoft.com/office/drawing/2010/main" xmlns="">
                 <a:solidFill>
                   <a:srgbClr val="FFFFFF"/>
                 </a:solidFill>
               </a14:hiddenFill>
             </a:ext>
             <a:ext uri="{91240B29-F687-4F45-9708-019B960494DF}">
-              <a14:hiddenLine xmlns:a14="http://schemas.microsoft.com/office/drawing/2010/main" w="9525">
+              <a14:hiddenLine xmlns:a14="http://schemas.microsoft.com/office/drawing/2010/main" xmlns="" w="9525">
                 <a:solidFill>
                   <a:srgbClr val="000000"/>
                 </a:solidFill>
@@ -9225,7 +9225,7 @@
     </p:spTree>
     <p:extLst>
       <p:ext uri="{BB962C8B-B14F-4D97-AF65-F5344CB8AC3E}">
-        <p14:creationId xmlns:p14="http://schemas.microsoft.com/office/powerpoint/2010/main" val="2333700198"/>
+        <p14:creationId xmlns:p14="http://schemas.microsoft.com/office/powerpoint/2010/main" xmlns="" val="2333700198"/>
       </p:ext>
     </p:extLst>
   </p:cSld>
@@ -9267,14 +9267,14 @@
           <a:ln/>
           <a:extLst>
             <a:ext uri="{909E8E84-426E-40DD-AFC4-6F175D3DCCD1}">
-              <a14:hiddenFill xmlns:a14="http://schemas.microsoft.com/office/drawing/2010/main">
+              <a14:hiddenFill xmlns:a14="http://schemas.microsoft.com/office/drawing/2010/main" xmlns="">
                 <a:solidFill>
                   <a:srgbClr val="FFFFFF"/>
                 </a:solidFill>
               </a14:hiddenFill>
             </a:ext>
             <a:ext uri="{91240B29-F687-4F45-9708-019B960494DF}">
-              <a14:hiddenLine xmlns:a14="http://schemas.microsoft.com/office/drawing/2010/main" w="9525">
+              <a14:hiddenLine xmlns:a14="http://schemas.microsoft.com/office/drawing/2010/main" xmlns="" w="9525">
                 <a:solidFill>
                   <a:srgbClr val="000000"/>
                 </a:solidFill>
@@ -9470,7 +9470,7 @@
     </p:spTree>
     <p:extLst>
       <p:ext uri="{BB962C8B-B14F-4D97-AF65-F5344CB8AC3E}">
-        <p14:creationId xmlns:p14="http://schemas.microsoft.com/office/powerpoint/2010/main" val="3415961934"/>
+        <p14:creationId xmlns:p14="http://schemas.microsoft.com/office/powerpoint/2010/main" xmlns="" val="3415961934"/>
       </p:ext>
     </p:extLst>
   </p:cSld>
@@ -9512,14 +9512,14 @@
           <a:ln/>
           <a:extLst>
             <a:ext uri="{909E8E84-426E-40DD-AFC4-6F175D3DCCD1}">
-              <a14:hiddenFill xmlns:a14="http://schemas.microsoft.com/office/drawing/2010/main">
+              <a14:hiddenFill xmlns:a14="http://schemas.microsoft.com/office/drawing/2010/main" xmlns="">
                 <a:solidFill>
                   <a:srgbClr val="FFFFFF"/>
                 </a:solidFill>
               </a14:hiddenFill>
             </a:ext>
             <a:ext uri="{91240B29-F687-4F45-9708-019B960494DF}">
-              <a14:hiddenLine xmlns:a14="http://schemas.microsoft.com/office/drawing/2010/main" w="9525">
+              <a14:hiddenLine xmlns:a14="http://schemas.microsoft.com/office/drawing/2010/main" xmlns="" w="9525">
                 <a:solidFill>
                   <a:srgbClr val="000000"/>
                 </a:solidFill>
@@ -9718,7 +9718,7 @@
     </p:spTree>
     <p:extLst>
       <p:ext uri="{BB962C8B-B14F-4D97-AF65-F5344CB8AC3E}">
-        <p14:creationId xmlns:p14="http://schemas.microsoft.com/office/powerpoint/2010/main" val="2300391978"/>
+        <p14:creationId xmlns:p14="http://schemas.microsoft.com/office/powerpoint/2010/main" xmlns="" val="2300391978"/>
       </p:ext>
     </p:extLst>
   </p:cSld>
@@ -9760,14 +9760,14 @@
           <a:ln/>
           <a:extLst>
             <a:ext uri="{909E8E84-426E-40DD-AFC4-6F175D3DCCD1}">
-              <a14:hiddenFill xmlns:a14="http://schemas.microsoft.com/office/drawing/2010/main">
+              <a14:hiddenFill xmlns:a14="http://schemas.microsoft.com/office/drawing/2010/main" xmlns="">
                 <a:solidFill>
                   <a:srgbClr val="FFFFFF"/>
                 </a:solidFill>
               </a14:hiddenFill>
             </a:ext>
             <a:ext uri="{91240B29-F687-4F45-9708-019B960494DF}">
-              <a14:hiddenLine xmlns:a14="http://schemas.microsoft.com/office/drawing/2010/main" w="9525">
+              <a14:hiddenLine xmlns:a14="http://schemas.microsoft.com/office/drawing/2010/main" xmlns="" w="9525">
                 <a:solidFill>
                   <a:srgbClr val="000000"/>
                 </a:solidFill>
@@ -10047,7 +10047,7 @@
     </p:spTree>
     <p:extLst>
       <p:ext uri="{BB962C8B-B14F-4D97-AF65-F5344CB8AC3E}">
-        <p14:creationId xmlns:p14="http://schemas.microsoft.com/office/powerpoint/2010/main" val="1550661460"/>
+        <p14:creationId xmlns:p14="http://schemas.microsoft.com/office/powerpoint/2010/main" xmlns="" val="1550661460"/>
       </p:ext>
     </p:extLst>
   </p:cSld>
@@ -10089,14 +10089,14 @@
           <a:ln/>
           <a:extLst>
             <a:ext uri="{909E8E84-426E-40DD-AFC4-6F175D3DCCD1}">
-              <a14:hiddenFill xmlns:a14="http://schemas.microsoft.com/office/drawing/2010/main">
+              <a14:hiddenFill xmlns:a14="http://schemas.microsoft.com/office/drawing/2010/main" xmlns="">
                 <a:solidFill>
                   <a:srgbClr val="FFFFFF"/>
                 </a:solidFill>
               </a14:hiddenFill>
             </a:ext>
             <a:ext uri="{91240B29-F687-4F45-9708-019B960494DF}">
-              <a14:hiddenLine xmlns:a14="http://schemas.microsoft.com/office/drawing/2010/main" w="9525">
+              <a14:hiddenLine xmlns:a14="http://schemas.microsoft.com/office/drawing/2010/main" xmlns="" w="9525">
                 <a:solidFill>
                   <a:srgbClr val="000000"/>
                 </a:solidFill>
@@ -10260,14 +10260,14 @@
           <a:ln/>
           <a:extLst>
             <a:ext uri="{909E8E84-426E-40DD-AFC4-6F175D3DCCD1}">
-              <a14:hiddenFill xmlns:a14="http://schemas.microsoft.com/office/drawing/2010/main">
+              <a14:hiddenFill xmlns:a14="http://schemas.microsoft.com/office/drawing/2010/main" xmlns="">
                 <a:solidFill>
                   <a:srgbClr val="FFFFFF"/>
                 </a:solidFill>
               </a14:hiddenFill>
             </a:ext>
             <a:ext uri="{91240B29-F687-4F45-9708-019B960494DF}">
-              <a14:hiddenLine xmlns:a14="http://schemas.microsoft.com/office/drawing/2010/main" w="9525">
+              <a14:hiddenLine xmlns:a14="http://schemas.microsoft.com/office/drawing/2010/main" xmlns="" w="9525">
                 <a:solidFill>
                   <a:srgbClr val="000000"/>
                 </a:solidFill>
@@ -10290,7 +10290,7 @@
     </p:spTree>
     <p:extLst>
       <p:ext uri="{BB962C8B-B14F-4D97-AF65-F5344CB8AC3E}">
-        <p14:creationId xmlns:p14="http://schemas.microsoft.com/office/powerpoint/2010/main" val="1956450414"/>
+        <p14:creationId xmlns:p14="http://schemas.microsoft.com/office/powerpoint/2010/main" xmlns="" val="1956450414"/>
       </p:ext>
     </p:extLst>
   </p:cSld>
@@ -10332,14 +10332,14 @@
           <a:ln/>
           <a:extLst>
             <a:ext uri="{909E8E84-426E-40DD-AFC4-6F175D3DCCD1}">
-              <a14:hiddenFill xmlns:a14="http://schemas.microsoft.com/office/drawing/2010/main">
+              <a14:hiddenFill xmlns:a14="http://schemas.microsoft.com/office/drawing/2010/main" xmlns="">
                 <a:solidFill>
                   <a:srgbClr val="FFFFFF"/>
                 </a:solidFill>
               </a14:hiddenFill>
             </a:ext>
             <a:ext uri="{91240B29-F687-4F45-9708-019B960494DF}">
-              <a14:hiddenLine xmlns:a14="http://schemas.microsoft.com/office/drawing/2010/main" w="9525">
+              <a14:hiddenLine xmlns:a14="http://schemas.microsoft.com/office/drawing/2010/main" xmlns="" w="9525">
                 <a:solidFill>
                   <a:srgbClr val="000000"/>
                 </a:solidFill>
@@ -10628,7 +10628,7 @@
     </p:spTree>
     <p:extLst>
       <p:ext uri="{BB962C8B-B14F-4D97-AF65-F5344CB8AC3E}">
-        <p14:creationId xmlns:p14="http://schemas.microsoft.com/office/powerpoint/2010/main" val="1999468042"/>
+        <p14:creationId xmlns:p14="http://schemas.microsoft.com/office/powerpoint/2010/main" xmlns="" val="1999468042"/>
       </p:ext>
     </p:extLst>
   </p:cSld>
@@ -10670,14 +10670,14 @@
           <a:ln/>
           <a:extLst>
             <a:ext uri="{909E8E84-426E-40DD-AFC4-6F175D3DCCD1}">
-              <a14:hiddenFill xmlns:a14="http://schemas.microsoft.com/office/drawing/2010/main">
+              <a14:hiddenFill xmlns:a14="http://schemas.microsoft.com/office/drawing/2010/main" xmlns="">
                 <a:solidFill>
                   <a:srgbClr val="FFFFFF"/>
                 </a:solidFill>
               </a14:hiddenFill>
             </a:ext>
             <a:ext uri="{91240B29-F687-4F45-9708-019B960494DF}">
-              <a14:hiddenLine xmlns:a14="http://schemas.microsoft.com/office/drawing/2010/main" w="9525">
+              <a14:hiddenLine xmlns:a14="http://schemas.microsoft.com/office/drawing/2010/main" xmlns="" w="9525">
                 <a:solidFill>
                   <a:srgbClr val="000000"/>
                 </a:solidFill>
@@ -10876,7 +10876,7 @@
     </p:spTree>
     <p:extLst>
       <p:ext uri="{BB962C8B-B14F-4D97-AF65-F5344CB8AC3E}">
-        <p14:creationId xmlns:p14="http://schemas.microsoft.com/office/powerpoint/2010/main" val="2691739170"/>
+        <p14:creationId xmlns:p14="http://schemas.microsoft.com/office/powerpoint/2010/main" xmlns="" val="2691739170"/>
       </p:ext>
     </p:extLst>
   </p:cSld>
@@ -10918,14 +10918,14 @@
           <a:ln/>
           <a:extLst>
             <a:ext uri="{909E8E84-426E-40DD-AFC4-6F175D3DCCD1}">
-              <a14:hiddenFill xmlns:a14="http://schemas.microsoft.com/office/drawing/2010/main">
+              <a14:hiddenFill xmlns:a14="http://schemas.microsoft.com/office/drawing/2010/main" xmlns="">
                 <a:solidFill>
                   <a:srgbClr val="FFFFFF"/>
                 </a:solidFill>
               </a14:hiddenFill>
             </a:ext>
             <a:ext uri="{91240B29-F687-4F45-9708-019B960494DF}">
-              <a14:hiddenLine xmlns:a14="http://schemas.microsoft.com/office/drawing/2010/main" w="9525">
+              <a14:hiddenLine xmlns:a14="http://schemas.microsoft.com/office/drawing/2010/main" xmlns="" w="9525">
                 <a:solidFill>
                   <a:srgbClr val="000000"/>
                 </a:solidFill>
@@ -11089,14 +11089,14 @@
           <a:ln/>
           <a:extLst>
             <a:ext uri="{909E8E84-426E-40DD-AFC4-6F175D3DCCD1}">
-              <a14:hiddenFill xmlns:a14="http://schemas.microsoft.com/office/drawing/2010/main">
+              <a14:hiddenFill xmlns:a14="http://schemas.microsoft.com/office/drawing/2010/main" xmlns="">
                 <a:solidFill>
                   <a:srgbClr val="FFFFFF"/>
                 </a:solidFill>
               </a14:hiddenFill>
             </a:ext>
             <a:ext uri="{91240B29-F687-4F45-9708-019B960494DF}">
-              <a14:hiddenLine xmlns:a14="http://schemas.microsoft.com/office/drawing/2010/main" w="9525">
+              <a14:hiddenLine xmlns:a14="http://schemas.microsoft.com/office/drawing/2010/main" xmlns="" w="9525">
                 <a:solidFill>
                   <a:srgbClr val="000000"/>
                 </a:solidFill>
@@ -11184,7 +11184,7 @@
     </p:spTree>
     <p:extLst>
       <p:ext uri="{BB962C8B-B14F-4D97-AF65-F5344CB8AC3E}">
-        <p14:creationId xmlns:p14="http://schemas.microsoft.com/office/powerpoint/2010/main" val="1715391697"/>
+        <p14:creationId xmlns:p14="http://schemas.microsoft.com/office/powerpoint/2010/main" xmlns="" val="1715391697"/>
       </p:ext>
     </p:extLst>
   </p:cSld>
@@ -11226,14 +11226,14 @@
           <a:ln/>
           <a:extLst>
             <a:ext uri="{909E8E84-426E-40DD-AFC4-6F175D3DCCD1}">
-              <a14:hiddenFill xmlns:a14="http://schemas.microsoft.com/office/drawing/2010/main">
+              <a14:hiddenFill xmlns:a14="http://schemas.microsoft.com/office/drawing/2010/main" xmlns="">
                 <a:solidFill>
                   <a:srgbClr val="FFFFFF"/>
                 </a:solidFill>
               </a14:hiddenFill>
             </a:ext>
             <a:ext uri="{91240B29-F687-4F45-9708-019B960494DF}">
-              <a14:hiddenLine xmlns:a14="http://schemas.microsoft.com/office/drawing/2010/main" w="9525">
+              <a14:hiddenLine xmlns:a14="http://schemas.microsoft.com/office/drawing/2010/main" xmlns="" w="9525">
                 <a:solidFill>
                   <a:srgbClr val="000000"/>
                 </a:solidFill>
@@ -11438,7 +11438,7 @@
     </p:spTree>
     <p:extLst>
       <p:ext uri="{BB962C8B-B14F-4D97-AF65-F5344CB8AC3E}">
-        <p14:creationId xmlns:p14="http://schemas.microsoft.com/office/powerpoint/2010/main" val="2857767100"/>
+        <p14:creationId xmlns:p14="http://schemas.microsoft.com/office/powerpoint/2010/main" xmlns="" val="2857767100"/>
       </p:ext>
     </p:extLst>
   </p:cSld>
@@ -11480,14 +11480,14 @@
           <a:ln/>
           <a:extLst>
             <a:ext uri="{909E8E84-426E-40DD-AFC4-6F175D3DCCD1}">
-              <a14:hiddenFill xmlns:a14="http://schemas.microsoft.com/office/drawing/2010/main">
+              <a14:hiddenFill xmlns:a14="http://schemas.microsoft.com/office/drawing/2010/main" xmlns="">
                 <a:solidFill>
                   <a:srgbClr val="FFFFFF"/>
                 </a:solidFill>
               </a14:hiddenFill>
             </a:ext>
             <a:ext uri="{91240B29-F687-4F45-9708-019B960494DF}">
-              <a14:hiddenLine xmlns:a14="http://schemas.microsoft.com/office/drawing/2010/main" w="9525">
+              <a14:hiddenLine xmlns:a14="http://schemas.microsoft.com/office/drawing/2010/main" xmlns="" w="9525">
                 <a:solidFill>
                   <a:srgbClr val="000000"/>
                 </a:solidFill>
@@ -11651,14 +11651,14 @@
           <a:ln/>
           <a:extLst>
             <a:ext uri="{909E8E84-426E-40DD-AFC4-6F175D3DCCD1}">
-              <a14:hiddenFill xmlns:a14="http://schemas.microsoft.com/office/drawing/2010/main">
+              <a14:hiddenFill xmlns:a14="http://schemas.microsoft.com/office/drawing/2010/main" xmlns="">
                 <a:solidFill>
                   <a:srgbClr val="FFFFFF"/>
                 </a:solidFill>
               </a14:hiddenFill>
             </a:ext>
             <a:ext uri="{91240B29-F687-4F45-9708-019B960494DF}">
-              <a14:hiddenLine xmlns:a14="http://schemas.microsoft.com/office/drawing/2010/main" w="9525">
+              <a14:hiddenLine xmlns:a14="http://schemas.microsoft.com/office/drawing/2010/main" xmlns="" w="9525">
                 <a:solidFill>
                   <a:srgbClr val="000000"/>
                 </a:solidFill>
@@ -11681,7 +11681,7 @@
     </p:spTree>
     <p:extLst>
       <p:ext uri="{BB962C8B-B14F-4D97-AF65-F5344CB8AC3E}">
-        <p14:creationId xmlns:p14="http://schemas.microsoft.com/office/powerpoint/2010/main" val="3899653511"/>
+        <p14:creationId xmlns:p14="http://schemas.microsoft.com/office/powerpoint/2010/main" xmlns="" val="3899653511"/>
       </p:ext>
     </p:extLst>
   </p:cSld>
@@ -11723,14 +11723,14 @@
           <a:ln/>
           <a:extLst>
             <a:ext uri="{909E8E84-426E-40DD-AFC4-6F175D3DCCD1}">
-              <a14:hiddenFill xmlns:a14="http://schemas.microsoft.com/office/drawing/2010/main">
+              <a14:hiddenFill xmlns:a14="http://schemas.microsoft.com/office/drawing/2010/main" xmlns="">
                 <a:solidFill>
                   <a:srgbClr val="FFFFFF"/>
                 </a:solidFill>
               </a14:hiddenFill>
             </a:ext>
             <a:ext uri="{91240B29-F687-4F45-9708-019B960494DF}">
-              <a14:hiddenLine xmlns:a14="http://schemas.microsoft.com/office/drawing/2010/main" w="9525">
+              <a14:hiddenLine xmlns:a14="http://schemas.microsoft.com/office/drawing/2010/main" xmlns="" w="9525">
                 <a:solidFill>
                   <a:srgbClr val="000000"/>
                 </a:solidFill>
@@ -11949,7 +11949,7 @@
     </p:spTree>
     <p:extLst>
       <p:ext uri="{BB962C8B-B14F-4D97-AF65-F5344CB8AC3E}">
-        <p14:creationId xmlns:p14="http://schemas.microsoft.com/office/powerpoint/2010/main" val="915052718"/>
+        <p14:creationId xmlns:p14="http://schemas.microsoft.com/office/powerpoint/2010/main" xmlns="" val="915052718"/>
       </p:ext>
     </p:extLst>
   </p:cSld>
@@ -11991,14 +11991,14 @@
           <a:ln/>
           <a:extLst>
             <a:ext uri="{909E8E84-426E-40DD-AFC4-6F175D3DCCD1}">
-              <a14:hiddenFill xmlns:a14="http://schemas.microsoft.com/office/drawing/2010/main">
+              <a14:hiddenFill xmlns:a14="http://schemas.microsoft.com/office/drawing/2010/main" xmlns="">
                 <a:solidFill>
                   <a:srgbClr val="FFFFFF"/>
                 </a:solidFill>
               </a14:hiddenFill>
             </a:ext>
             <a:ext uri="{91240B29-F687-4F45-9708-019B960494DF}">
-              <a14:hiddenLine xmlns:a14="http://schemas.microsoft.com/office/drawing/2010/main" w="9525">
+              <a14:hiddenLine xmlns:a14="http://schemas.microsoft.com/office/drawing/2010/main" xmlns="" w="9525">
                 <a:solidFill>
                   <a:srgbClr val="000000"/>
                 </a:solidFill>
@@ -12414,7 +12414,7 @@
     </p:spTree>
     <p:extLst>
       <p:ext uri="{BB962C8B-B14F-4D97-AF65-F5344CB8AC3E}">
-        <p14:creationId xmlns:p14="http://schemas.microsoft.com/office/powerpoint/2010/main" val="1133015265"/>
+        <p14:creationId xmlns:p14="http://schemas.microsoft.com/office/powerpoint/2010/main" xmlns="" val="1133015265"/>
       </p:ext>
     </p:extLst>
   </p:cSld>
@@ -12504,7 +12504,7 @@
     </p:spTree>
     <p:extLst>
       <p:ext uri="{BB962C8B-B14F-4D97-AF65-F5344CB8AC3E}">
-        <p14:creationId xmlns:p14="http://schemas.microsoft.com/office/powerpoint/2010/main" val="3560303229"/>
+        <p14:creationId xmlns:p14="http://schemas.microsoft.com/office/powerpoint/2010/main" xmlns="" val="3560303229"/>
       </p:ext>
     </p:extLst>
   </p:cSld>
@@ -12546,14 +12546,14 @@
           <a:ln/>
           <a:extLst>
             <a:ext uri="{909E8E84-426E-40DD-AFC4-6F175D3DCCD1}">
-              <a14:hiddenFill xmlns:a14="http://schemas.microsoft.com/office/drawing/2010/main">
+              <a14:hiddenFill xmlns:a14="http://schemas.microsoft.com/office/drawing/2010/main" xmlns="">
                 <a:solidFill>
                   <a:srgbClr val="FFFFFF"/>
                 </a:solidFill>
               </a14:hiddenFill>
             </a:ext>
             <a:ext uri="{91240B29-F687-4F45-9708-019B960494DF}">
-              <a14:hiddenLine xmlns:a14="http://schemas.microsoft.com/office/drawing/2010/main" w="9525">
+              <a14:hiddenLine xmlns:a14="http://schemas.microsoft.com/office/drawing/2010/main" xmlns="" w="9525">
                 <a:solidFill>
                   <a:srgbClr val="000000"/>
                 </a:solidFill>
@@ -12717,14 +12717,14 @@
           <a:ln/>
           <a:extLst>
             <a:ext uri="{909E8E84-426E-40DD-AFC4-6F175D3DCCD1}">
-              <a14:hiddenFill xmlns:a14="http://schemas.microsoft.com/office/drawing/2010/main">
+              <a14:hiddenFill xmlns:a14="http://schemas.microsoft.com/office/drawing/2010/main" xmlns="">
                 <a:solidFill>
                   <a:srgbClr val="FFFFFF"/>
                 </a:solidFill>
               </a14:hiddenFill>
             </a:ext>
             <a:ext uri="{91240B29-F687-4F45-9708-019B960494DF}">
-              <a14:hiddenLine xmlns:a14="http://schemas.microsoft.com/office/drawing/2010/main" w="9525">
+              <a14:hiddenLine xmlns:a14="http://schemas.microsoft.com/office/drawing/2010/main" xmlns="" w="9525">
                 <a:solidFill>
                   <a:srgbClr val="000000"/>
                 </a:solidFill>
@@ -12792,7 +12792,7 @@
     </p:spTree>
     <p:extLst>
       <p:ext uri="{BB962C8B-B14F-4D97-AF65-F5344CB8AC3E}">
-        <p14:creationId xmlns:p14="http://schemas.microsoft.com/office/powerpoint/2010/main" val="501167740"/>
+        <p14:creationId xmlns:p14="http://schemas.microsoft.com/office/powerpoint/2010/main" xmlns="" val="501167740"/>
       </p:ext>
     </p:extLst>
   </p:cSld>
@@ -12834,14 +12834,14 @@
           <a:ln/>
           <a:extLst>
             <a:ext uri="{909E8E84-426E-40DD-AFC4-6F175D3DCCD1}">
-              <a14:hiddenFill xmlns:a14="http://schemas.microsoft.com/office/drawing/2010/main">
+              <a14:hiddenFill xmlns:a14="http://schemas.microsoft.com/office/drawing/2010/main" xmlns="">
                 <a:solidFill>
                   <a:srgbClr val="FFFFFF"/>
                 </a:solidFill>
               </a14:hiddenFill>
             </a:ext>
             <a:ext uri="{91240B29-F687-4F45-9708-019B960494DF}">
-              <a14:hiddenLine xmlns:a14="http://schemas.microsoft.com/office/drawing/2010/main" w="9525">
+              <a14:hiddenLine xmlns:a14="http://schemas.microsoft.com/office/drawing/2010/main" xmlns="" w="9525">
                 <a:solidFill>
                   <a:srgbClr val="000000"/>
                 </a:solidFill>
@@ -13005,14 +13005,14 @@
           <a:ln/>
           <a:extLst>
             <a:ext uri="{909E8E84-426E-40DD-AFC4-6F175D3DCCD1}">
-              <a14:hiddenFill xmlns:a14="http://schemas.microsoft.com/office/drawing/2010/main">
+              <a14:hiddenFill xmlns:a14="http://schemas.microsoft.com/office/drawing/2010/main" xmlns="">
                 <a:solidFill>
                   <a:srgbClr val="FFFFFF"/>
                 </a:solidFill>
               </a14:hiddenFill>
             </a:ext>
             <a:ext uri="{91240B29-F687-4F45-9708-019B960494DF}">
-              <a14:hiddenLine xmlns:a14="http://schemas.microsoft.com/office/drawing/2010/main" w="9525">
+              <a14:hiddenLine xmlns:a14="http://schemas.microsoft.com/office/drawing/2010/main" xmlns="" w="9525">
                 <a:solidFill>
                   <a:srgbClr val="000000"/>
                 </a:solidFill>
@@ -13038,7 +13038,7 @@
     </p:spTree>
     <p:extLst>
       <p:ext uri="{BB962C8B-B14F-4D97-AF65-F5344CB8AC3E}">
-        <p14:creationId xmlns:p14="http://schemas.microsoft.com/office/powerpoint/2010/main" val="2422171573"/>
+        <p14:creationId xmlns:p14="http://schemas.microsoft.com/office/powerpoint/2010/main" xmlns="" val="2422171573"/>
       </p:ext>
     </p:extLst>
   </p:cSld>
@@ -13080,14 +13080,14 @@
           <a:ln/>
           <a:extLst>
             <a:ext uri="{909E8E84-426E-40DD-AFC4-6F175D3DCCD1}">
-              <a14:hiddenFill xmlns:a14="http://schemas.microsoft.com/office/drawing/2010/main">
+              <a14:hiddenFill xmlns:a14="http://schemas.microsoft.com/office/drawing/2010/main" xmlns="">
                 <a:solidFill>
                   <a:srgbClr val="FFFFFF"/>
                 </a:solidFill>
               </a14:hiddenFill>
             </a:ext>
             <a:ext uri="{91240B29-F687-4F45-9708-019B960494DF}">
-              <a14:hiddenLine xmlns:a14="http://schemas.microsoft.com/office/drawing/2010/main" w="9525">
+              <a14:hiddenLine xmlns:a14="http://schemas.microsoft.com/office/drawing/2010/main" xmlns="" w="9525">
                 <a:solidFill>
                   <a:srgbClr val="000000"/>
                 </a:solidFill>
@@ -13251,14 +13251,14 @@
           <a:ln/>
           <a:extLst>
             <a:ext uri="{909E8E84-426E-40DD-AFC4-6F175D3DCCD1}">
-              <a14:hiddenFill xmlns:a14="http://schemas.microsoft.com/office/drawing/2010/main">
+              <a14:hiddenFill xmlns:a14="http://schemas.microsoft.com/office/drawing/2010/main" xmlns="">
                 <a:solidFill>
                   <a:srgbClr val="FFFFFF"/>
                 </a:solidFill>
               </a14:hiddenFill>
             </a:ext>
             <a:ext uri="{91240B29-F687-4F45-9708-019B960494DF}">
-              <a14:hiddenLine xmlns:a14="http://schemas.microsoft.com/office/drawing/2010/main" w="9525">
+              <a14:hiddenLine xmlns:a14="http://schemas.microsoft.com/office/drawing/2010/main" xmlns="" w="9525">
                 <a:solidFill>
                   <a:srgbClr val="000000"/>
                 </a:solidFill>
@@ -13303,7 +13303,7 @@
     </p:spTree>
     <p:extLst>
       <p:ext uri="{BB962C8B-B14F-4D97-AF65-F5344CB8AC3E}">
-        <p14:creationId xmlns:p14="http://schemas.microsoft.com/office/powerpoint/2010/main" val="2296445091"/>
+        <p14:creationId xmlns:p14="http://schemas.microsoft.com/office/powerpoint/2010/main" xmlns="" val="2296445091"/>
       </p:ext>
     </p:extLst>
   </p:cSld>
@@ -13345,14 +13345,14 @@
           <a:ln/>
           <a:extLst>
             <a:ext uri="{909E8E84-426E-40DD-AFC4-6F175D3DCCD1}">
-              <a14:hiddenFill xmlns:a14="http://schemas.microsoft.com/office/drawing/2010/main">
+              <a14:hiddenFill xmlns:a14="http://schemas.microsoft.com/office/drawing/2010/main" xmlns="">
                 <a:solidFill>
                   <a:srgbClr val="FFFFFF"/>
                 </a:solidFill>
               </a14:hiddenFill>
             </a:ext>
             <a:ext uri="{91240B29-F687-4F45-9708-019B960494DF}">
-              <a14:hiddenLine xmlns:a14="http://schemas.microsoft.com/office/drawing/2010/main" w="9525">
+              <a14:hiddenLine xmlns:a14="http://schemas.microsoft.com/office/drawing/2010/main" xmlns="" w="9525">
                 <a:solidFill>
                   <a:srgbClr val="000000"/>
                 </a:solidFill>
@@ -13755,7 +13755,7 @@
     </p:spTree>
     <p:extLst>
       <p:ext uri="{BB962C8B-B14F-4D97-AF65-F5344CB8AC3E}">
-        <p14:creationId xmlns:p14="http://schemas.microsoft.com/office/powerpoint/2010/main" val="3241216543"/>
+        <p14:creationId xmlns:p14="http://schemas.microsoft.com/office/powerpoint/2010/main" xmlns="" val="3241216543"/>
       </p:ext>
     </p:extLst>
   </p:cSld>
@@ -13797,14 +13797,14 @@
           <a:ln/>
           <a:extLst>
             <a:ext uri="{909E8E84-426E-40DD-AFC4-6F175D3DCCD1}">
-              <a14:hiddenFill xmlns:a14="http://schemas.microsoft.com/office/drawing/2010/main">
+              <a14:hiddenFill xmlns:a14="http://schemas.microsoft.com/office/drawing/2010/main" xmlns="">
                 <a:solidFill>
                   <a:srgbClr val="FFFFFF"/>
                 </a:solidFill>
               </a14:hiddenFill>
             </a:ext>
             <a:ext uri="{91240B29-F687-4F45-9708-019B960494DF}">
-              <a14:hiddenLine xmlns:a14="http://schemas.microsoft.com/office/drawing/2010/main" w="9525">
+              <a14:hiddenLine xmlns:a14="http://schemas.microsoft.com/office/drawing/2010/main" xmlns="" w="9525">
                 <a:solidFill>
                   <a:srgbClr val="000000"/>
                 </a:solidFill>
@@ -13968,14 +13968,14 @@
           <a:ln/>
           <a:extLst>
             <a:ext uri="{909E8E84-426E-40DD-AFC4-6F175D3DCCD1}">
-              <a14:hiddenFill xmlns:a14="http://schemas.microsoft.com/office/drawing/2010/main">
+              <a14:hiddenFill xmlns:a14="http://schemas.microsoft.com/office/drawing/2010/main" xmlns="">
                 <a:solidFill>
                   <a:srgbClr val="FFFFFF"/>
                 </a:solidFill>
               </a14:hiddenFill>
             </a:ext>
             <a:ext uri="{91240B29-F687-4F45-9708-019B960494DF}">
-              <a14:hiddenLine xmlns:a14="http://schemas.microsoft.com/office/drawing/2010/main" w="9525">
+              <a14:hiddenLine xmlns:a14="http://schemas.microsoft.com/office/drawing/2010/main" xmlns="" w="9525">
                 <a:solidFill>
                   <a:srgbClr val="000000"/>
                 </a:solidFill>
@@ -14082,7 +14082,7 @@
     </p:spTree>
     <p:extLst>
       <p:ext uri="{BB962C8B-B14F-4D97-AF65-F5344CB8AC3E}">
-        <p14:creationId xmlns:p14="http://schemas.microsoft.com/office/powerpoint/2010/main" val="3934867798"/>
+        <p14:creationId xmlns:p14="http://schemas.microsoft.com/office/powerpoint/2010/main" xmlns="" val="3934867798"/>
       </p:ext>
     </p:extLst>
   </p:cSld>
@@ -14157,7 +14157,7 @@
             </a:ln>
             <a:extLst>
               <a:ext uri="{91240B29-F687-4F45-9708-019B960494DF}">
-                <a14:hiddenLine xmlns:a14="http://schemas.microsoft.com/office/drawing/2010/main" w="9525">
+                <a14:hiddenLine xmlns:a14="http://schemas.microsoft.com/office/drawing/2010/main" xmlns="" w="9525">
                   <a:solidFill>
                     <a:srgbClr val="000000"/>
                   </a:solidFill>
@@ -14204,7 +14204,7 @@
             </a:ln>
             <a:extLst>
               <a:ext uri="{91240B29-F687-4F45-9708-019B960494DF}">
-                <a14:hiddenLine xmlns:a14="http://schemas.microsoft.com/office/drawing/2010/main" w="9525">
+                <a14:hiddenLine xmlns:a14="http://schemas.microsoft.com/office/drawing/2010/main" xmlns="" w="9525">
                   <a:solidFill>
                     <a:srgbClr val="000000"/>
                   </a:solidFill>
@@ -14266,7 +14266,7 @@
               </a:ln>
               <a:extLst>
                 <a:ext uri="{91240B29-F687-4F45-9708-019B960494DF}">
-                  <a14:hiddenLine xmlns:a14="http://schemas.microsoft.com/office/drawing/2010/main" w="9525">
+                  <a14:hiddenLine xmlns:a14="http://schemas.microsoft.com/office/drawing/2010/main" xmlns="" w="9525">
                     <a:solidFill>
                       <a:srgbClr val="000000"/>
                     </a:solidFill>
@@ -14312,7 +14312,7 @@
               </a:ln>
               <a:extLst>
                 <a:ext uri="{91240B29-F687-4F45-9708-019B960494DF}">
-                  <a14:hiddenLine xmlns:a14="http://schemas.microsoft.com/office/drawing/2010/main" w="9525">
+                  <a14:hiddenLine xmlns:a14="http://schemas.microsoft.com/office/drawing/2010/main" xmlns="" w="9525">
                     <a:solidFill>
                       <a:srgbClr val="000000"/>
                     </a:solidFill>
@@ -14358,7 +14358,7 @@
               </a:ln>
               <a:extLst>
                 <a:ext uri="{91240B29-F687-4F45-9708-019B960494DF}">
-                  <a14:hiddenLine xmlns:a14="http://schemas.microsoft.com/office/drawing/2010/main" w="9525">
+                  <a14:hiddenLine xmlns:a14="http://schemas.microsoft.com/office/drawing/2010/main" xmlns="" w="9525">
                     <a:solidFill>
                       <a:srgbClr val="000000"/>
                     </a:solidFill>
@@ -14404,7 +14404,7 @@
               </a:ln>
               <a:extLst>
                 <a:ext uri="{91240B29-F687-4F45-9708-019B960494DF}">
-                  <a14:hiddenLine xmlns:a14="http://schemas.microsoft.com/office/drawing/2010/main" w="9525">
+                  <a14:hiddenLine xmlns:a14="http://schemas.microsoft.com/office/drawing/2010/main" xmlns="" w="9525">
                     <a:solidFill>
                       <a:srgbClr val="000000"/>
                     </a:solidFill>
@@ -14450,7 +14450,7 @@
               </a:ln>
               <a:extLst>
                 <a:ext uri="{91240B29-F687-4F45-9708-019B960494DF}">
-                  <a14:hiddenLine xmlns:a14="http://schemas.microsoft.com/office/drawing/2010/main" w="9525">
+                  <a14:hiddenLine xmlns:a14="http://schemas.microsoft.com/office/drawing/2010/main" xmlns="" w="9525">
                     <a:solidFill>
                       <a:srgbClr val="000000"/>
                     </a:solidFill>
@@ -14496,7 +14496,7 @@
               </a:ln>
               <a:extLst>
                 <a:ext uri="{91240B29-F687-4F45-9708-019B960494DF}">
-                  <a14:hiddenLine xmlns:a14="http://schemas.microsoft.com/office/drawing/2010/main" w="9525">
+                  <a14:hiddenLine xmlns:a14="http://schemas.microsoft.com/office/drawing/2010/main" xmlns="" w="9525">
                     <a:solidFill>
                       <a:srgbClr val="000000"/>
                     </a:solidFill>
@@ -14542,7 +14542,7 @@
               </a:ln>
               <a:extLst>
                 <a:ext uri="{91240B29-F687-4F45-9708-019B960494DF}">
-                  <a14:hiddenLine xmlns:a14="http://schemas.microsoft.com/office/drawing/2010/main" w="9525">
+                  <a14:hiddenLine xmlns:a14="http://schemas.microsoft.com/office/drawing/2010/main" xmlns="" w="9525">
                     <a:solidFill>
                       <a:srgbClr val="000000"/>
                     </a:solidFill>
@@ -14588,7 +14588,7 @@
               </a:ln>
               <a:extLst>
                 <a:ext uri="{91240B29-F687-4F45-9708-019B960494DF}">
-                  <a14:hiddenLine xmlns:a14="http://schemas.microsoft.com/office/drawing/2010/main" w="9525">
+                  <a14:hiddenLine xmlns:a14="http://schemas.microsoft.com/office/drawing/2010/main" xmlns="" w="9525">
                     <a:solidFill>
                       <a:srgbClr val="000000"/>
                     </a:solidFill>
@@ -14634,7 +14634,7 @@
               </a:ln>
               <a:extLst>
                 <a:ext uri="{91240B29-F687-4F45-9708-019B960494DF}">
-                  <a14:hiddenLine xmlns:a14="http://schemas.microsoft.com/office/drawing/2010/main" w="9525">
+                  <a14:hiddenLine xmlns:a14="http://schemas.microsoft.com/office/drawing/2010/main" xmlns="" w="9525">
                     <a:solidFill>
                       <a:srgbClr val="000000"/>
                     </a:solidFill>
@@ -14680,7 +14680,7 @@
               </a:ln>
               <a:extLst>
                 <a:ext uri="{91240B29-F687-4F45-9708-019B960494DF}">
-                  <a14:hiddenLine xmlns:a14="http://schemas.microsoft.com/office/drawing/2010/main" w="9525">
+                  <a14:hiddenLine xmlns:a14="http://schemas.microsoft.com/office/drawing/2010/main" xmlns="" w="9525">
                     <a:solidFill>
                       <a:srgbClr val="000000"/>
                     </a:solidFill>
@@ -14865,7 +14865,7 @@
     </p:spTree>
     <p:extLst>
       <p:ext uri="{BB962C8B-B14F-4D97-AF65-F5344CB8AC3E}">
-        <p14:creationId xmlns:p14="http://schemas.microsoft.com/office/powerpoint/2010/main" val="1649521095"/>
+        <p14:creationId xmlns:p14="http://schemas.microsoft.com/office/powerpoint/2010/main" xmlns="" val="1649521095"/>
       </p:ext>
     </p:extLst>
   </p:cSld>
@@ -15061,7 +15061,7 @@
     </p:spTree>
     <p:extLst>
       <p:ext uri="{BB962C8B-B14F-4D97-AF65-F5344CB8AC3E}">
-        <p14:creationId xmlns:p14="http://schemas.microsoft.com/office/powerpoint/2010/main" val="3522334419"/>
+        <p14:creationId xmlns:p14="http://schemas.microsoft.com/office/powerpoint/2010/main" xmlns="" val="3522334419"/>
       </p:ext>
     </p:extLst>
   </p:cSld>
@@ -15267,7 +15267,7 @@
     </p:spTree>
     <p:extLst>
       <p:ext uri="{BB962C8B-B14F-4D97-AF65-F5344CB8AC3E}">
-        <p14:creationId xmlns:p14="http://schemas.microsoft.com/office/powerpoint/2010/main" val="2298409467"/>
+        <p14:creationId xmlns:p14="http://schemas.microsoft.com/office/powerpoint/2010/main" xmlns="" val="2298409467"/>
       </p:ext>
     </p:extLst>
   </p:cSld>
@@ -15644,7 +15644,7 @@
     </p:spTree>
     <p:extLst>
       <p:ext uri="{BB962C8B-B14F-4D97-AF65-F5344CB8AC3E}">
-        <p14:creationId xmlns:p14="http://schemas.microsoft.com/office/powerpoint/2010/main" val="2166591750"/>
+        <p14:creationId xmlns:p14="http://schemas.microsoft.com/office/powerpoint/2010/main" xmlns="" val="2166591750"/>
       </p:ext>
     </p:extLst>
   </p:cSld>
@@ -15818,7 +15818,7 @@
     </p:spTree>
     <p:extLst>
       <p:ext uri="{BB962C8B-B14F-4D97-AF65-F5344CB8AC3E}">
-        <p14:creationId xmlns:p14="http://schemas.microsoft.com/office/powerpoint/2010/main" val="4276787090"/>
+        <p14:creationId xmlns:p14="http://schemas.microsoft.com/office/powerpoint/2010/main" xmlns="" val="4276787090"/>
       </p:ext>
     </p:extLst>
   </p:cSld>
@@ -16014,7 +16014,7 @@
     </p:spTree>
     <p:extLst>
       <p:ext uri="{BB962C8B-B14F-4D97-AF65-F5344CB8AC3E}">
-        <p14:creationId xmlns:p14="http://schemas.microsoft.com/office/powerpoint/2010/main" val="3619124488"/>
+        <p14:creationId xmlns:p14="http://schemas.microsoft.com/office/powerpoint/2010/main" xmlns="" val="3619124488"/>
       </p:ext>
     </p:extLst>
   </p:cSld>
@@ -16232,7 +16232,7 @@
     </p:spTree>
     <p:extLst>
       <p:ext uri="{BB962C8B-B14F-4D97-AF65-F5344CB8AC3E}">
-        <p14:creationId xmlns:p14="http://schemas.microsoft.com/office/powerpoint/2010/main" val="4085374197"/>
+        <p14:creationId xmlns:p14="http://schemas.microsoft.com/office/powerpoint/2010/main" xmlns="" val="4085374197"/>
       </p:ext>
     </p:extLst>
   </p:cSld>
@@ -16546,7 +16546,7 @@
     </p:spTree>
     <p:extLst>
       <p:ext uri="{BB962C8B-B14F-4D97-AF65-F5344CB8AC3E}">
-        <p14:creationId xmlns:p14="http://schemas.microsoft.com/office/powerpoint/2010/main" val="1625998757"/>
+        <p14:creationId xmlns:p14="http://schemas.microsoft.com/office/powerpoint/2010/main" xmlns="" val="1625998757"/>
       </p:ext>
     </p:extLst>
   </p:cSld>
@@ -16999,7 +16999,7 @@
     </p:spTree>
     <p:extLst>
       <p:ext uri="{BB962C8B-B14F-4D97-AF65-F5344CB8AC3E}">
-        <p14:creationId xmlns:p14="http://schemas.microsoft.com/office/powerpoint/2010/main" val="689507995"/>
+        <p14:creationId xmlns:p14="http://schemas.microsoft.com/office/powerpoint/2010/main" xmlns="" val="689507995"/>
       </p:ext>
     </p:extLst>
   </p:cSld>
@@ -17143,7 +17143,7 @@
     </p:spTree>
     <p:extLst>
       <p:ext uri="{BB962C8B-B14F-4D97-AF65-F5344CB8AC3E}">
-        <p14:creationId xmlns:p14="http://schemas.microsoft.com/office/powerpoint/2010/main" val="109125246"/>
+        <p14:creationId xmlns:p14="http://schemas.microsoft.com/office/powerpoint/2010/main" xmlns="" val="109125246"/>
       </p:ext>
     </p:extLst>
   </p:cSld>
@@ -17264,7 +17264,7 @@
     </p:spTree>
     <p:extLst>
       <p:ext uri="{BB962C8B-B14F-4D97-AF65-F5344CB8AC3E}">
-        <p14:creationId xmlns:p14="http://schemas.microsoft.com/office/powerpoint/2010/main" val="2704727501"/>
+        <p14:creationId xmlns:p14="http://schemas.microsoft.com/office/powerpoint/2010/main" xmlns="" val="2704727501"/>
       </p:ext>
     </p:extLst>
   </p:cSld>
@@ -17567,7 +17567,7 @@
     </p:spTree>
     <p:extLst>
       <p:ext uri="{BB962C8B-B14F-4D97-AF65-F5344CB8AC3E}">
-        <p14:creationId xmlns:p14="http://schemas.microsoft.com/office/powerpoint/2010/main" val="95374532"/>
+        <p14:creationId xmlns:p14="http://schemas.microsoft.com/office/powerpoint/2010/main" xmlns="" val="95374532"/>
       </p:ext>
     </p:extLst>
   </p:cSld>
@@ -17847,7 +17847,7 @@
     </p:spTree>
     <p:extLst>
       <p:ext uri="{BB962C8B-B14F-4D97-AF65-F5344CB8AC3E}">
-        <p14:creationId xmlns:p14="http://schemas.microsoft.com/office/powerpoint/2010/main" val="1041518256"/>
+        <p14:creationId xmlns:p14="http://schemas.microsoft.com/office/powerpoint/2010/main" xmlns="" val="1041518256"/>
       </p:ext>
     </p:extLst>
   </p:cSld>
@@ -18034,7 +18034,7 @@
             </a:ln>
             <a:extLst>
               <a:ext uri="{91240B29-F687-4F45-9708-019B960494DF}">
-                <a14:hiddenLine xmlns:a14="http://schemas.microsoft.com/office/drawing/2010/main" w="9525">
+                <a14:hiddenLine xmlns:a14="http://schemas.microsoft.com/office/drawing/2010/main" xmlns="" w="9525">
                   <a:solidFill>
                     <a:srgbClr val="000000"/>
                   </a:solidFill>
@@ -18089,7 +18089,7 @@
             </a:ln>
             <a:extLst>
               <a:ext uri="{91240B29-F687-4F45-9708-019B960494DF}">
-                <a14:hiddenLine xmlns:a14="http://schemas.microsoft.com/office/drawing/2010/main" w="9525">
+                <a14:hiddenLine xmlns:a14="http://schemas.microsoft.com/office/drawing/2010/main" xmlns="" w="9525">
                   <a:solidFill>
                     <a:srgbClr val="000000"/>
                   </a:solidFill>
@@ -18135,7 +18135,7 @@
             </a:ln>
             <a:extLst>
               <a:ext uri="{91240B29-F687-4F45-9708-019B960494DF}">
-                <a14:hiddenLine xmlns:a14="http://schemas.microsoft.com/office/drawing/2010/main" w="9525">
+                <a14:hiddenLine xmlns:a14="http://schemas.microsoft.com/office/drawing/2010/main" xmlns="" w="9525">
                   <a:solidFill>
                     <a:srgbClr val="000000"/>
                   </a:solidFill>
@@ -18183,7 +18183,7 @@
             </a:ln>
             <a:extLst>
               <a:ext uri="{91240B29-F687-4F45-9708-019B960494DF}">
-                <a14:hiddenLine xmlns:a14="http://schemas.microsoft.com/office/drawing/2010/main" w="9525">
+                <a14:hiddenLine xmlns:a14="http://schemas.microsoft.com/office/drawing/2010/main" xmlns="" w="9525">
                   <a:solidFill>
                     <a:srgbClr val="000000"/>
                   </a:solidFill>
@@ -18231,7 +18231,7 @@
             </a:ln>
             <a:extLst>
               <a:ext uri="{91240B29-F687-4F45-9708-019B960494DF}">
-                <a14:hiddenLine xmlns:a14="http://schemas.microsoft.com/office/drawing/2010/main" w="9525">
+                <a14:hiddenLine xmlns:a14="http://schemas.microsoft.com/office/drawing/2010/main" xmlns="" w="9525">
                   <a:solidFill>
                     <a:srgbClr val="000000"/>
                   </a:solidFill>
@@ -18279,7 +18279,7 @@
             </a:ln>
             <a:extLst>
               <a:ext uri="{91240B29-F687-4F45-9708-019B960494DF}">
-                <a14:hiddenLine xmlns:a14="http://schemas.microsoft.com/office/drawing/2010/main" w="9525">
+                <a14:hiddenLine xmlns:a14="http://schemas.microsoft.com/office/drawing/2010/main" xmlns="" w="9525">
                   <a:solidFill>
                     <a:srgbClr val="000000"/>
                   </a:solidFill>
@@ -18327,7 +18327,7 @@
             </a:ln>
             <a:extLst>
               <a:ext uri="{91240B29-F687-4F45-9708-019B960494DF}">
-                <a14:hiddenLine xmlns:a14="http://schemas.microsoft.com/office/drawing/2010/main" w="9525">
+                <a14:hiddenLine xmlns:a14="http://schemas.microsoft.com/office/drawing/2010/main" xmlns="" w="9525">
                   <a:solidFill>
                     <a:srgbClr val="000000"/>
                   </a:solidFill>
@@ -18373,7 +18373,7 @@
             </a:ln>
             <a:extLst>
               <a:ext uri="{91240B29-F687-4F45-9708-019B960494DF}">
-                <a14:hiddenLine xmlns:a14="http://schemas.microsoft.com/office/drawing/2010/main" w="9525">
+                <a14:hiddenLine xmlns:a14="http://schemas.microsoft.com/office/drawing/2010/main" xmlns="" w="9525">
                   <a:solidFill>
                     <a:srgbClr val="000000"/>
                   </a:solidFill>
@@ -18421,7 +18421,7 @@
             </a:ln>
             <a:extLst>
               <a:ext uri="{91240B29-F687-4F45-9708-019B960494DF}">
-                <a14:hiddenLine xmlns:a14="http://schemas.microsoft.com/office/drawing/2010/main" w="9525">
+                <a14:hiddenLine xmlns:a14="http://schemas.microsoft.com/office/drawing/2010/main" xmlns="" w="9525">
                   <a:solidFill>
                     <a:srgbClr val="000000"/>
                   </a:solidFill>
@@ -18470,14 +18470,14 @@
           </a:ln>
           <a:extLst>
             <a:ext uri="{909E8E84-426E-40DD-AFC4-6F175D3DCCD1}">
-              <a14:hiddenFill xmlns:a14="http://schemas.microsoft.com/office/drawing/2010/main">
+              <a14:hiddenFill xmlns:a14="http://schemas.microsoft.com/office/drawing/2010/main" xmlns="">
                 <a:solidFill>
                   <a:srgbClr val="FFFFFF"/>
                 </a:solidFill>
               </a14:hiddenFill>
             </a:ext>
             <a:ext uri="{91240B29-F687-4F45-9708-019B960494DF}">
-              <a14:hiddenLine xmlns:a14="http://schemas.microsoft.com/office/drawing/2010/main" w="9525">
+              <a14:hiddenLine xmlns:a14="http://schemas.microsoft.com/office/drawing/2010/main" xmlns="" w="9525">
                 <a:solidFill>
                   <a:srgbClr val="000000"/>
                 </a:solidFill>
@@ -18528,14 +18528,14 @@
           </a:ln>
           <a:extLst>
             <a:ext uri="{909E8E84-426E-40DD-AFC4-6F175D3DCCD1}">
-              <a14:hiddenFill xmlns:a14="http://schemas.microsoft.com/office/drawing/2010/main">
+              <a14:hiddenFill xmlns:a14="http://schemas.microsoft.com/office/drawing/2010/main" xmlns="">
                 <a:solidFill>
                   <a:srgbClr val="FFFFFF"/>
                 </a:solidFill>
               </a14:hiddenFill>
             </a:ext>
             <a:ext uri="{91240B29-F687-4F45-9708-019B960494DF}">
-              <a14:hiddenLine xmlns:a14="http://schemas.microsoft.com/office/drawing/2010/main" w="9525">
+              <a14:hiddenLine xmlns:a14="http://schemas.microsoft.com/office/drawing/2010/main" xmlns="" w="9525">
                 <a:solidFill>
                   <a:srgbClr val="000000"/>
                 </a:solidFill>
@@ -19114,14 +19114,14 @@
           <a:ln/>
           <a:extLst>
             <a:ext uri="{909E8E84-426E-40DD-AFC4-6F175D3DCCD1}">
-              <a14:hiddenFill xmlns:a14="http://schemas.microsoft.com/office/drawing/2010/main">
+              <a14:hiddenFill xmlns:a14="http://schemas.microsoft.com/office/drawing/2010/main" xmlns="">
                 <a:solidFill>
                   <a:srgbClr val="FFFFFF"/>
                 </a:solidFill>
               </a14:hiddenFill>
             </a:ext>
             <a:ext uri="{91240B29-F687-4F45-9708-019B960494DF}">
-              <a14:hiddenLine xmlns:a14="http://schemas.microsoft.com/office/drawing/2010/main" w="9525">
+              <a14:hiddenLine xmlns:a14="http://schemas.microsoft.com/office/drawing/2010/main" xmlns="" w="9525">
                 <a:solidFill>
                   <a:srgbClr val="000000"/>
                 </a:solidFill>
@@ -19286,54 +19286,6 @@
               <a:t>MySQL</a:t>
             </a:r>
             <a:endParaRPr lang="ru-RU" b="1" smtClean="0"/>
-          </a:p>
-        </p:txBody>
-      </p:sp>
-      <p:sp>
-        <p:nvSpPr>
-          <p:cNvPr id="3076" name="Rectangle 3"/>
-          <p:cNvSpPr>
-            <a:spLocks noGrp="1" noChangeArrowheads="1"/>
-          </p:cNvSpPr>
-          <p:nvPr>
-            <p:ph type="subTitle" idx="1"/>
-          </p:nvPr>
-        </p:nvSpPr>
-        <p:spPr>
-          <a:xfrm>
-            <a:off x="2971800" y="4267200"/>
-            <a:ext cx="6019800" cy="685800"/>
-          </a:xfrm>
-        </p:spPr>
-        <p:txBody>
-          <a:bodyPr/>
-          <a:lstStyle/>
-          <a:p>
-            <a:pPr eaLnBrk="1" hangingPunct="1"/>
-            <a:r>
-              <a:rPr lang="en-US" smtClean="0"/>
-              <a:t>20</a:t>
-            </a:r>
-            <a:r>
-              <a:rPr lang="ru-RU" smtClean="0"/>
-              <a:t>1</a:t>
-            </a:r>
-            <a:r>
-              <a:rPr lang="en-US" smtClean="0"/>
-              <a:t>3/</a:t>
-            </a:r>
-            <a:r>
-              <a:rPr lang="ru-RU" smtClean="0"/>
-              <a:t>201</a:t>
-            </a:r>
-            <a:r>
-              <a:rPr lang="en-US" smtClean="0"/>
-              <a:t>4</a:t>
-            </a:r>
-            <a:r>
-              <a:rPr lang="ru-RU" smtClean="0"/>
-              <a:t> уч.год</a:t>
-            </a:r>
           </a:p>
         </p:txBody>
       </p:sp>
@@ -19384,14 +19336,14 @@
           <a:ln/>
           <a:extLst>
             <a:ext uri="{909E8E84-426E-40DD-AFC4-6F175D3DCCD1}">
-              <a14:hiddenFill xmlns:a14="http://schemas.microsoft.com/office/drawing/2010/main">
+              <a14:hiddenFill xmlns:a14="http://schemas.microsoft.com/office/drawing/2010/main" xmlns="">
                 <a:solidFill>
                   <a:srgbClr val="FFFFFF"/>
                 </a:solidFill>
               </a14:hiddenFill>
             </a:ext>
             <a:ext uri="{91240B29-F687-4F45-9708-019B960494DF}">
-              <a14:hiddenLine xmlns:a14="http://schemas.microsoft.com/office/drawing/2010/main" w="9525">
+              <a14:hiddenLine xmlns:a14="http://schemas.microsoft.com/office/drawing/2010/main" xmlns="" w="9525">
                 <a:solidFill>
                   <a:srgbClr val="000000"/>
                 </a:solidFill>
@@ -20063,14 +20015,14 @@
           <a:ln/>
           <a:extLst>
             <a:ext uri="{909E8E84-426E-40DD-AFC4-6F175D3DCCD1}">
-              <a14:hiddenFill xmlns:a14="http://schemas.microsoft.com/office/drawing/2010/main">
+              <a14:hiddenFill xmlns:a14="http://schemas.microsoft.com/office/drawing/2010/main" xmlns="">
                 <a:solidFill>
                   <a:srgbClr val="FFFFFF"/>
                 </a:solidFill>
               </a14:hiddenFill>
             </a:ext>
             <a:ext uri="{91240B29-F687-4F45-9708-019B960494DF}">
-              <a14:hiddenLine xmlns:a14="http://schemas.microsoft.com/office/drawing/2010/main" w="9525">
+              <a14:hiddenLine xmlns:a14="http://schemas.microsoft.com/office/drawing/2010/main" xmlns="" w="9525">
                 <a:solidFill>
                   <a:srgbClr val="000000"/>
                 </a:solidFill>
@@ -20741,14 +20693,14 @@
           <a:ln/>
           <a:extLst>
             <a:ext uri="{909E8E84-426E-40DD-AFC4-6F175D3DCCD1}">
-              <a14:hiddenFill xmlns:a14="http://schemas.microsoft.com/office/drawing/2010/main">
+              <a14:hiddenFill xmlns:a14="http://schemas.microsoft.com/office/drawing/2010/main" xmlns="">
                 <a:solidFill>
                   <a:srgbClr val="FFFFFF"/>
                 </a:solidFill>
               </a14:hiddenFill>
             </a:ext>
             <a:ext uri="{91240B29-F687-4F45-9708-019B960494DF}">
-              <a14:hiddenLine xmlns:a14="http://schemas.microsoft.com/office/drawing/2010/main" w="9525">
+              <a14:hiddenLine xmlns:a14="http://schemas.microsoft.com/office/drawing/2010/main" xmlns="" w="9525">
                 <a:solidFill>
                   <a:srgbClr val="000000"/>
                 </a:solidFill>
@@ -21306,14 +21258,14 @@
           <a:ln/>
           <a:extLst>
             <a:ext uri="{909E8E84-426E-40DD-AFC4-6F175D3DCCD1}">
-              <a14:hiddenFill xmlns:a14="http://schemas.microsoft.com/office/drawing/2010/main">
+              <a14:hiddenFill xmlns:a14="http://schemas.microsoft.com/office/drawing/2010/main" xmlns="">
                 <a:solidFill>
                   <a:srgbClr val="FFFFFF"/>
                 </a:solidFill>
               </a14:hiddenFill>
             </a:ext>
             <a:ext uri="{91240B29-F687-4F45-9708-019B960494DF}">
-              <a14:hiddenLine xmlns:a14="http://schemas.microsoft.com/office/drawing/2010/main" w="9525">
+              <a14:hiddenLine xmlns:a14="http://schemas.microsoft.com/office/drawing/2010/main" xmlns="" w="9525">
                 <a:solidFill>
                   <a:srgbClr val="000000"/>
                 </a:solidFill>
@@ -21937,14 +21889,14 @@
           <a:ln/>
           <a:extLst>
             <a:ext uri="{909E8E84-426E-40DD-AFC4-6F175D3DCCD1}">
-              <a14:hiddenFill xmlns:a14="http://schemas.microsoft.com/office/drawing/2010/main">
+              <a14:hiddenFill xmlns:a14="http://schemas.microsoft.com/office/drawing/2010/main" xmlns="">
                 <a:solidFill>
                   <a:srgbClr val="FFFFFF"/>
                 </a:solidFill>
               </a14:hiddenFill>
             </a:ext>
             <a:ext uri="{91240B29-F687-4F45-9708-019B960494DF}">
-              <a14:hiddenLine xmlns:a14="http://schemas.microsoft.com/office/drawing/2010/main" w="9525">
+              <a14:hiddenLine xmlns:a14="http://schemas.microsoft.com/office/drawing/2010/main" xmlns="" w="9525">
                 <a:solidFill>
                   <a:srgbClr val="000000"/>
                 </a:solidFill>
@@ -22712,14 +22664,14 @@
           <a:ln/>
           <a:extLst>
             <a:ext uri="{909E8E84-426E-40DD-AFC4-6F175D3DCCD1}">
-              <a14:hiddenFill xmlns:a14="http://schemas.microsoft.com/office/drawing/2010/main">
+              <a14:hiddenFill xmlns:a14="http://schemas.microsoft.com/office/drawing/2010/main" xmlns="">
                 <a:solidFill>
                   <a:srgbClr val="FFFFFF"/>
                 </a:solidFill>
               </a14:hiddenFill>
             </a:ext>
             <a:ext uri="{91240B29-F687-4F45-9708-019B960494DF}">
-              <a14:hiddenLine xmlns:a14="http://schemas.microsoft.com/office/drawing/2010/main" w="9525">
+              <a14:hiddenLine xmlns:a14="http://schemas.microsoft.com/office/drawing/2010/main" xmlns="" w="9525">
                 <a:solidFill>
                   <a:srgbClr val="000000"/>
                 </a:solidFill>
@@ -23099,14 +23051,14 @@
           <a:ln/>
           <a:extLst>
             <a:ext uri="{909E8E84-426E-40DD-AFC4-6F175D3DCCD1}">
-              <a14:hiddenFill xmlns:a14="http://schemas.microsoft.com/office/drawing/2010/main">
+              <a14:hiddenFill xmlns:a14="http://schemas.microsoft.com/office/drawing/2010/main" xmlns="">
                 <a:solidFill>
                   <a:srgbClr val="FFFFFF"/>
                 </a:solidFill>
               </a14:hiddenFill>
             </a:ext>
             <a:ext uri="{91240B29-F687-4F45-9708-019B960494DF}">
-              <a14:hiddenLine xmlns:a14="http://schemas.microsoft.com/office/drawing/2010/main" w="9525">
+              <a14:hiddenLine xmlns:a14="http://schemas.microsoft.com/office/drawing/2010/main" xmlns="" w="9525">
                 <a:solidFill>
                   <a:srgbClr val="000000"/>
                 </a:solidFill>
@@ -23712,14 +23664,14 @@
           <a:ln/>
           <a:extLst>
             <a:ext uri="{909E8E84-426E-40DD-AFC4-6F175D3DCCD1}">
-              <a14:hiddenFill xmlns:a14="http://schemas.microsoft.com/office/drawing/2010/main">
+              <a14:hiddenFill xmlns:a14="http://schemas.microsoft.com/office/drawing/2010/main" xmlns="">
                 <a:solidFill>
                   <a:srgbClr val="FFFFFF"/>
                 </a:solidFill>
               </a14:hiddenFill>
             </a:ext>
             <a:ext uri="{91240B29-F687-4F45-9708-019B960494DF}">
-              <a14:hiddenLine xmlns:a14="http://schemas.microsoft.com/office/drawing/2010/main" w="9525">
+              <a14:hiddenLine xmlns:a14="http://schemas.microsoft.com/office/drawing/2010/main" xmlns="" w="9525">
                 <a:solidFill>
                   <a:srgbClr val="000000"/>
                 </a:solidFill>
@@ -24486,14 +24438,14 @@
           <a:ln/>
           <a:extLst>
             <a:ext uri="{909E8E84-426E-40DD-AFC4-6F175D3DCCD1}">
-              <a14:hiddenFill xmlns:a14="http://schemas.microsoft.com/office/drawing/2010/main">
+              <a14:hiddenFill xmlns:a14="http://schemas.microsoft.com/office/drawing/2010/main" xmlns="">
                 <a:solidFill>
                   <a:srgbClr val="FFFFFF"/>
                 </a:solidFill>
               </a14:hiddenFill>
             </a:ext>
             <a:ext uri="{91240B29-F687-4F45-9708-019B960494DF}">
-              <a14:hiddenLine xmlns:a14="http://schemas.microsoft.com/office/drawing/2010/main" w="9525">
+              <a14:hiddenLine xmlns:a14="http://schemas.microsoft.com/office/drawing/2010/main" xmlns="" w="9525">
                 <a:solidFill>
                   <a:srgbClr val="000000"/>
                 </a:solidFill>
@@ -25572,14 +25524,14 @@
           <a:ln/>
           <a:extLst>
             <a:ext uri="{909E8E84-426E-40DD-AFC4-6F175D3DCCD1}">
-              <a14:hiddenFill xmlns:a14="http://schemas.microsoft.com/office/drawing/2010/main">
+              <a14:hiddenFill xmlns:a14="http://schemas.microsoft.com/office/drawing/2010/main" xmlns="">
                 <a:solidFill>
                   <a:srgbClr val="FFFFFF"/>
                 </a:solidFill>
               </a14:hiddenFill>
             </a:ext>
             <a:ext uri="{91240B29-F687-4F45-9708-019B960494DF}">
-              <a14:hiddenLine xmlns:a14="http://schemas.microsoft.com/office/drawing/2010/main" w="9525">
+              <a14:hiddenLine xmlns:a14="http://schemas.microsoft.com/office/drawing/2010/main" xmlns="" w="9525">
                 <a:solidFill>
                   <a:srgbClr val="000000"/>
                 </a:solidFill>
@@ -27410,14 +27362,14 @@
           <a:ln/>
           <a:extLst>
             <a:ext uri="{909E8E84-426E-40DD-AFC4-6F175D3DCCD1}">
-              <a14:hiddenFill xmlns:a14="http://schemas.microsoft.com/office/drawing/2010/main">
+              <a14:hiddenFill xmlns:a14="http://schemas.microsoft.com/office/drawing/2010/main" xmlns="">
                 <a:solidFill>
                   <a:srgbClr val="FFFFFF"/>
                 </a:solidFill>
               </a14:hiddenFill>
             </a:ext>
             <a:ext uri="{91240B29-F687-4F45-9708-019B960494DF}">
-              <a14:hiddenLine xmlns:a14="http://schemas.microsoft.com/office/drawing/2010/main" w="9525">
+              <a14:hiddenLine xmlns:a14="http://schemas.microsoft.com/office/drawing/2010/main" xmlns="" w="9525">
                 <a:solidFill>
                   <a:srgbClr val="000000"/>
                 </a:solidFill>
@@ -27599,14 +27551,14 @@
           <a:ln/>
           <a:extLst>
             <a:ext uri="{909E8E84-426E-40DD-AFC4-6F175D3DCCD1}">
-              <a14:hiddenFill xmlns:a14="http://schemas.microsoft.com/office/drawing/2010/main">
+              <a14:hiddenFill xmlns:a14="http://schemas.microsoft.com/office/drawing/2010/main" xmlns="">
                 <a:solidFill>
                   <a:srgbClr val="FFFFFF"/>
                 </a:solidFill>
               </a14:hiddenFill>
             </a:ext>
             <a:ext uri="{91240B29-F687-4F45-9708-019B960494DF}">
-              <a14:hiddenLine xmlns:a14="http://schemas.microsoft.com/office/drawing/2010/main" w="9525">
+              <a14:hiddenLine xmlns:a14="http://schemas.microsoft.com/office/drawing/2010/main" xmlns="" w="9525">
                 <a:solidFill>
                   <a:srgbClr val="000000"/>
                 </a:solidFill>
@@ -28110,14 +28062,14 @@
           <a:ln/>
           <a:extLst>
             <a:ext uri="{909E8E84-426E-40DD-AFC4-6F175D3DCCD1}">
-              <a14:hiddenFill xmlns:a14="http://schemas.microsoft.com/office/drawing/2010/main">
+              <a14:hiddenFill xmlns:a14="http://schemas.microsoft.com/office/drawing/2010/main" xmlns="">
                 <a:solidFill>
                   <a:srgbClr val="FFFFFF"/>
                 </a:solidFill>
               </a14:hiddenFill>
             </a:ext>
             <a:ext uri="{91240B29-F687-4F45-9708-019B960494DF}">
-              <a14:hiddenLine xmlns:a14="http://schemas.microsoft.com/office/drawing/2010/main" w="9525">
+              <a14:hiddenLine xmlns:a14="http://schemas.microsoft.com/office/drawing/2010/main" xmlns="" w="9525">
                 <a:solidFill>
                   <a:srgbClr val="000000"/>
                 </a:solidFill>
@@ -28681,14 +28633,14 @@
           <a:ln/>
           <a:extLst>
             <a:ext uri="{909E8E84-426E-40DD-AFC4-6F175D3DCCD1}">
-              <a14:hiddenFill xmlns:a14="http://schemas.microsoft.com/office/drawing/2010/main">
+              <a14:hiddenFill xmlns:a14="http://schemas.microsoft.com/office/drawing/2010/main" xmlns="">
                 <a:solidFill>
                   <a:srgbClr val="FFFFFF"/>
                 </a:solidFill>
               </a14:hiddenFill>
             </a:ext>
             <a:ext uri="{91240B29-F687-4F45-9708-019B960494DF}">
-              <a14:hiddenLine xmlns:a14="http://schemas.microsoft.com/office/drawing/2010/main" w="9525">
+              <a14:hiddenLine xmlns:a14="http://schemas.microsoft.com/office/drawing/2010/main" xmlns="" w="9525">
                 <a:solidFill>
                   <a:srgbClr val="000000"/>
                 </a:solidFill>
@@ -29718,14 +29670,14 @@
           <a:ln/>
           <a:extLst>
             <a:ext uri="{909E8E84-426E-40DD-AFC4-6F175D3DCCD1}">
-              <a14:hiddenFill xmlns:a14="http://schemas.microsoft.com/office/drawing/2010/main">
+              <a14:hiddenFill xmlns:a14="http://schemas.microsoft.com/office/drawing/2010/main" xmlns="">
                 <a:solidFill>
                   <a:srgbClr val="FFFFFF"/>
                 </a:solidFill>
               </a14:hiddenFill>
             </a:ext>
             <a:ext uri="{91240B29-F687-4F45-9708-019B960494DF}">
-              <a14:hiddenLine xmlns:a14="http://schemas.microsoft.com/office/drawing/2010/main" w="9525">
+              <a14:hiddenLine xmlns:a14="http://schemas.microsoft.com/office/drawing/2010/main" xmlns="" w="9525">
                 <a:solidFill>
                   <a:srgbClr val="000000"/>
                 </a:solidFill>
@@ -30040,14 +29992,14 @@
           <a:ln/>
           <a:extLst>
             <a:ext uri="{909E8E84-426E-40DD-AFC4-6F175D3DCCD1}">
-              <a14:hiddenFill xmlns:a14="http://schemas.microsoft.com/office/drawing/2010/main">
+              <a14:hiddenFill xmlns:a14="http://schemas.microsoft.com/office/drawing/2010/main" xmlns="">
                 <a:solidFill>
                   <a:srgbClr val="FFFFFF"/>
                 </a:solidFill>
               </a14:hiddenFill>
             </a:ext>
             <a:ext uri="{91240B29-F687-4F45-9708-019B960494DF}">
-              <a14:hiddenLine xmlns:a14="http://schemas.microsoft.com/office/drawing/2010/main" w="9525">
+              <a14:hiddenLine xmlns:a14="http://schemas.microsoft.com/office/drawing/2010/main" xmlns="" w="9525">
                 <a:solidFill>
                   <a:srgbClr val="000000"/>
                 </a:solidFill>
@@ -30343,14 +30295,14 @@
           <a:ln/>
           <a:extLst>
             <a:ext uri="{909E8E84-426E-40DD-AFC4-6F175D3DCCD1}">
-              <a14:hiddenFill xmlns:a14="http://schemas.microsoft.com/office/drawing/2010/main">
+              <a14:hiddenFill xmlns:a14="http://schemas.microsoft.com/office/drawing/2010/main" xmlns="">
                 <a:solidFill>
                   <a:srgbClr val="FFFFFF"/>
                 </a:solidFill>
               </a14:hiddenFill>
             </a:ext>
             <a:ext uri="{91240B29-F687-4F45-9708-019B960494DF}">
-              <a14:hiddenLine xmlns:a14="http://schemas.microsoft.com/office/drawing/2010/main" w="9525">
+              <a14:hiddenLine xmlns:a14="http://schemas.microsoft.com/office/drawing/2010/main" xmlns="" w="9525">
                 <a:solidFill>
                   <a:srgbClr val="000000"/>
                 </a:solidFill>
@@ -30606,14 +30558,14 @@
           <a:ln/>
           <a:extLst>
             <a:ext uri="{909E8E84-426E-40DD-AFC4-6F175D3DCCD1}">
-              <a14:hiddenFill xmlns:a14="http://schemas.microsoft.com/office/drawing/2010/main">
+              <a14:hiddenFill xmlns:a14="http://schemas.microsoft.com/office/drawing/2010/main" xmlns="">
                 <a:solidFill>
                   <a:srgbClr val="FFFFFF"/>
                 </a:solidFill>
               </a14:hiddenFill>
             </a:ext>
             <a:ext uri="{91240B29-F687-4F45-9708-019B960494DF}">
-              <a14:hiddenLine xmlns:a14="http://schemas.microsoft.com/office/drawing/2010/main" w="9525">
+              <a14:hiddenLine xmlns:a14="http://schemas.microsoft.com/office/drawing/2010/main" xmlns="" w="9525">
                 <a:solidFill>
                   <a:srgbClr val="000000"/>
                 </a:solidFill>
@@ -31347,14 +31299,14 @@
           <a:ln/>
           <a:extLst>
             <a:ext uri="{909E8E84-426E-40DD-AFC4-6F175D3DCCD1}">
-              <a14:hiddenFill xmlns:a14="http://schemas.microsoft.com/office/drawing/2010/main">
+              <a14:hiddenFill xmlns:a14="http://schemas.microsoft.com/office/drawing/2010/main" xmlns="">
                 <a:solidFill>
                   <a:srgbClr val="FFFFFF"/>
                 </a:solidFill>
               </a14:hiddenFill>
             </a:ext>
             <a:ext uri="{91240B29-F687-4F45-9708-019B960494DF}">
-              <a14:hiddenLine xmlns:a14="http://schemas.microsoft.com/office/drawing/2010/main" w="9525">
+              <a14:hiddenLine xmlns:a14="http://schemas.microsoft.com/office/drawing/2010/main" xmlns="" w="9525">
                 <a:solidFill>
                   <a:srgbClr val="000000"/>
                 </a:solidFill>
@@ -31655,14 +31607,14 @@
           <a:ln/>
           <a:extLst>
             <a:ext uri="{909E8E84-426E-40DD-AFC4-6F175D3DCCD1}">
-              <a14:hiddenFill xmlns:a14="http://schemas.microsoft.com/office/drawing/2010/main">
+              <a14:hiddenFill xmlns:a14="http://schemas.microsoft.com/office/drawing/2010/main" xmlns="">
                 <a:solidFill>
                   <a:srgbClr val="FFFFFF"/>
                 </a:solidFill>
               </a14:hiddenFill>
             </a:ext>
             <a:ext uri="{91240B29-F687-4F45-9708-019B960494DF}">
-              <a14:hiddenLine xmlns:a14="http://schemas.microsoft.com/office/drawing/2010/main" w="9525">
+              <a14:hiddenLine xmlns:a14="http://schemas.microsoft.com/office/drawing/2010/main" xmlns="" w="9525">
                 <a:solidFill>
                   <a:srgbClr val="000000"/>
                 </a:solidFill>
@@ -32125,14 +32077,14 @@
           <a:ln/>
           <a:extLst>
             <a:ext uri="{909E8E84-426E-40DD-AFC4-6F175D3DCCD1}">
-              <a14:hiddenFill xmlns:a14="http://schemas.microsoft.com/office/drawing/2010/main">
+              <a14:hiddenFill xmlns:a14="http://schemas.microsoft.com/office/drawing/2010/main" xmlns="">
                 <a:solidFill>
                   <a:srgbClr val="FFFFFF"/>
                 </a:solidFill>
               </a14:hiddenFill>
             </a:ext>
             <a:ext uri="{91240B29-F687-4F45-9708-019B960494DF}">
-              <a14:hiddenLine xmlns:a14="http://schemas.microsoft.com/office/drawing/2010/main" w="9525">
+              <a14:hiddenLine xmlns:a14="http://schemas.microsoft.com/office/drawing/2010/main" xmlns="" w="9525">
                 <a:solidFill>
                   <a:srgbClr val="000000"/>
                 </a:solidFill>
@@ -32528,14 +32480,14 @@
           <a:ln/>
           <a:extLst>
             <a:ext uri="{909E8E84-426E-40DD-AFC4-6F175D3DCCD1}">
-              <a14:hiddenFill xmlns:a14="http://schemas.microsoft.com/office/drawing/2010/main">
+              <a14:hiddenFill xmlns:a14="http://schemas.microsoft.com/office/drawing/2010/main" xmlns="">
                 <a:solidFill>
                   <a:srgbClr val="FFFFFF"/>
                 </a:solidFill>
               </a14:hiddenFill>
             </a:ext>
             <a:ext uri="{91240B29-F687-4F45-9708-019B960494DF}">
-              <a14:hiddenLine xmlns:a14="http://schemas.microsoft.com/office/drawing/2010/main" w="9525">
+              <a14:hiddenLine xmlns:a14="http://schemas.microsoft.com/office/drawing/2010/main" xmlns="" w="9525">
                 <a:solidFill>
                   <a:srgbClr val="000000"/>
                 </a:solidFill>
@@ -32794,14 +32746,14 @@
           <a:ln/>
           <a:extLst>
             <a:ext uri="{909E8E84-426E-40DD-AFC4-6F175D3DCCD1}">
-              <a14:hiddenFill xmlns:a14="http://schemas.microsoft.com/office/drawing/2010/main">
+              <a14:hiddenFill xmlns:a14="http://schemas.microsoft.com/office/drawing/2010/main" xmlns="">
                 <a:solidFill>
                   <a:srgbClr val="FFFFFF"/>
                 </a:solidFill>
               </a14:hiddenFill>
             </a:ext>
             <a:ext uri="{91240B29-F687-4F45-9708-019B960494DF}">
-              <a14:hiddenLine xmlns:a14="http://schemas.microsoft.com/office/drawing/2010/main" w="9525">
+              <a14:hiddenLine xmlns:a14="http://schemas.microsoft.com/office/drawing/2010/main" xmlns="" w="9525">
                 <a:solidFill>
                   <a:srgbClr val="000000"/>
                 </a:solidFill>
@@ -33745,14 +33697,14 @@
           <a:ln/>
           <a:extLst>
             <a:ext uri="{909E8E84-426E-40DD-AFC4-6F175D3DCCD1}">
-              <a14:hiddenFill xmlns:a14="http://schemas.microsoft.com/office/drawing/2010/main">
+              <a14:hiddenFill xmlns:a14="http://schemas.microsoft.com/office/drawing/2010/main" xmlns="">
                 <a:solidFill>
                   <a:srgbClr val="FFFFFF"/>
                 </a:solidFill>
               </a14:hiddenFill>
             </a:ext>
             <a:ext uri="{91240B29-F687-4F45-9708-019B960494DF}">
-              <a14:hiddenLine xmlns:a14="http://schemas.microsoft.com/office/drawing/2010/main" w="9525">
+              <a14:hiddenLine xmlns:a14="http://schemas.microsoft.com/office/drawing/2010/main" xmlns="" w="9525">
                 <a:solidFill>
                   <a:srgbClr val="000000"/>
                 </a:solidFill>
@@ -34099,14 +34051,14 @@
           <a:ln/>
           <a:extLst>
             <a:ext uri="{909E8E84-426E-40DD-AFC4-6F175D3DCCD1}">
-              <a14:hiddenFill xmlns:a14="http://schemas.microsoft.com/office/drawing/2010/main">
+              <a14:hiddenFill xmlns:a14="http://schemas.microsoft.com/office/drawing/2010/main" xmlns="">
                 <a:solidFill>
                   <a:srgbClr val="FFFFFF"/>
                 </a:solidFill>
               </a14:hiddenFill>
             </a:ext>
             <a:ext uri="{91240B29-F687-4F45-9708-019B960494DF}">
-              <a14:hiddenLine xmlns:a14="http://schemas.microsoft.com/office/drawing/2010/main" w="9525">
+              <a14:hiddenLine xmlns:a14="http://schemas.microsoft.com/office/drawing/2010/main" xmlns="" w="9525">
                 <a:solidFill>
                   <a:srgbClr val="000000"/>
                 </a:solidFill>
@@ -34490,14 +34442,14 @@
           <a:ln/>
           <a:extLst>
             <a:ext uri="{909E8E84-426E-40DD-AFC4-6F175D3DCCD1}">
-              <a14:hiddenFill xmlns:a14="http://schemas.microsoft.com/office/drawing/2010/main">
+              <a14:hiddenFill xmlns:a14="http://schemas.microsoft.com/office/drawing/2010/main" xmlns="">
                 <a:solidFill>
                   <a:srgbClr val="FFFFFF"/>
                 </a:solidFill>
               </a14:hiddenFill>
             </a:ext>
             <a:ext uri="{91240B29-F687-4F45-9708-019B960494DF}">
-              <a14:hiddenLine xmlns:a14="http://schemas.microsoft.com/office/drawing/2010/main" w="9525">
+              <a14:hiddenLine xmlns:a14="http://schemas.microsoft.com/office/drawing/2010/main" xmlns="" w="9525">
                 <a:solidFill>
                   <a:srgbClr val="000000"/>
                 </a:solidFill>
@@ -34781,14 +34733,14 @@
           </a:ln>
           <a:extLst>
             <a:ext uri="{909E8E84-426E-40DD-AFC4-6F175D3DCCD1}">
-              <a14:hiddenFill xmlns:a14="http://schemas.microsoft.com/office/drawing/2010/main">
+              <a14:hiddenFill xmlns:a14="http://schemas.microsoft.com/office/drawing/2010/main" xmlns="">
                 <a:solidFill>
                   <a:srgbClr val="FFFFFF"/>
                 </a:solidFill>
               </a14:hiddenFill>
             </a:ext>
             <a:ext uri="{91240B29-F687-4F45-9708-019B960494DF}">
-              <a14:hiddenLine xmlns:a14="http://schemas.microsoft.com/office/drawing/2010/main" w="9525">
+              <a14:hiddenLine xmlns:a14="http://schemas.microsoft.com/office/drawing/2010/main" xmlns="" w="9525">
                 <a:solidFill>
                   <a:srgbClr val="000000"/>
                 </a:solidFill>
@@ -35085,14 +35037,14 @@
           <a:ln/>
           <a:extLst>
             <a:ext uri="{909E8E84-426E-40DD-AFC4-6F175D3DCCD1}">
-              <a14:hiddenFill xmlns:a14="http://schemas.microsoft.com/office/drawing/2010/main">
+              <a14:hiddenFill xmlns:a14="http://schemas.microsoft.com/office/drawing/2010/main" xmlns="">
                 <a:solidFill>
                   <a:srgbClr val="FFFFFF"/>
                 </a:solidFill>
               </a14:hiddenFill>
             </a:ext>
             <a:ext uri="{91240B29-F687-4F45-9708-019B960494DF}">
-              <a14:hiddenLine xmlns:a14="http://schemas.microsoft.com/office/drawing/2010/main" w="9525">
+              <a14:hiddenLine xmlns:a14="http://schemas.microsoft.com/office/drawing/2010/main" xmlns="" w="9525">
                 <a:solidFill>
                   <a:srgbClr val="000000"/>
                 </a:solidFill>
@@ -35496,14 +35448,14 @@
           <a:ln/>
           <a:extLst>
             <a:ext uri="{909E8E84-426E-40DD-AFC4-6F175D3DCCD1}">
-              <a14:hiddenFill xmlns:a14="http://schemas.microsoft.com/office/drawing/2010/main">
+              <a14:hiddenFill xmlns:a14="http://schemas.microsoft.com/office/drawing/2010/main" xmlns="">
                 <a:solidFill>
                   <a:srgbClr val="FFFFFF"/>
                 </a:solidFill>
               </a14:hiddenFill>
             </a:ext>
             <a:ext uri="{91240B29-F687-4F45-9708-019B960494DF}">
-              <a14:hiddenLine xmlns:a14="http://schemas.microsoft.com/office/drawing/2010/main" w="9525">
+              <a14:hiddenLine xmlns:a14="http://schemas.microsoft.com/office/drawing/2010/main" xmlns="" w="9525">
                 <a:solidFill>
                   <a:srgbClr val="000000"/>
                 </a:solidFill>
@@ -35824,14 +35776,14 @@
           <a:ln/>
           <a:extLst>
             <a:ext uri="{909E8E84-426E-40DD-AFC4-6F175D3DCCD1}">
-              <a14:hiddenFill xmlns:a14="http://schemas.microsoft.com/office/drawing/2010/main">
+              <a14:hiddenFill xmlns:a14="http://schemas.microsoft.com/office/drawing/2010/main" xmlns="">
                 <a:solidFill>
                   <a:srgbClr val="FFFFFF"/>
                 </a:solidFill>
               </a14:hiddenFill>
             </a:ext>
             <a:ext uri="{91240B29-F687-4F45-9708-019B960494DF}">
-              <a14:hiddenLine xmlns:a14="http://schemas.microsoft.com/office/drawing/2010/main" w="9525">
+              <a14:hiddenLine xmlns:a14="http://schemas.microsoft.com/office/drawing/2010/main" xmlns="" w="9525">
                 <a:solidFill>
                   <a:srgbClr val="000000"/>
                 </a:solidFill>
@@ -36509,14 +36461,14 @@
           <a:ln/>
           <a:extLst>
             <a:ext uri="{909E8E84-426E-40DD-AFC4-6F175D3DCCD1}">
-              <a14:hiddenFill xmlns:a14="http://schemas.microsoft.com/office/drawing/2010/main">
+              <a14:hiddenFill xmlns:a14="http://schemas.microsoft.com/office/drawing/2010/main" xmlns="">
                 <a:solidFill>
                   <a:srgbClr val="FFFFFF"/>
                 </a:solidFill>
               </a14:hiddenFill>
             </a:ext>
             <a:ext uri="{91240B29-F687-4F45-9708-019B960494DF}">
-              <a14:hiddenLine xmlns:a14="http://schemas.microsoft.com/office/drawing/2010/main" w="9525">
+              <a14:hiddenLine xmlns:a14="http://schemas.microsoft.com/office/drawing/2010/main" xmlns="" w="9525">
                 <a:solidFill>
                   <a:srgbClr val="000000"/>
                 </a:solidFill>
@@ -37358,14 +37310,14 @@
           <a:ln/>
           <a:extLst>
             <a:ext uri="{909E8E84-426E-40DD-AFC4-6F175D3DCCD1}">
-              <a14:hiddenFill xmlns:a14="http://schemas.microsoft.com/office/drawing/2010/main">
+              <a14:hiddenFill xmlns:a14="http://schemas.microsoft.com/office/drawing/2010/main" xmlns="">
                 <a:solidFill>
                   <a:srgbClr val="FFFFFF"/>
                 </a:solidFill>
               </a14:hiddenFill>
             </a:ext>
             <a:ext uri="{91240B29-F687-4F45-9708-019B960494DF}">
-              <a14:hiddenLine xmlns:a14="http://schemas.microsoft.com/office/drawing/2010/main" w="9525">
+              <a14:hiddenLine xmlns:a14="http://schemas.microsoft.com/office/drawing/2010/main" xmlns="" w="9525">
                 <a:solidFill>
                   <a:srgbClr val="000000"/>
                 </a:solidFill>
@@ -38693,14 +38645,14 @@
           <a:ln/>
           <a:extLst>
             <a:ext uri="{909E8E84-426E-40DD-AFC4-6F175D3DCCD1}">
-              <a14:hiddenFill xmlns:a14="http://schemas.microsoft.com/office/drawing/2010/main">
+              <a14:hiddenFill xmlns:a14="http://schemas.microsoft.com/office/drawing/2010/main" xmlns="">
                 <a:solidFill>
                   <a:srgbClr val="FFFFFF"/>
                 </a:solidFill>
               </a14:hiddenFill>
             </a:ext>
             <a:ext uri="{91240B29-F687-4F45-9708-019B960494DF}">
-              <a14:hiddenLine xmlns:a14="http://schemas.microsoft.com/office/drawing/2010/main" w="9525">
+              <a14:hiddenLine xmlns:a14="http://schemas.microsoft.com/office/drawing/2010/main" xmlns="" w="9525">
                 <a:solidFill>
                   <a:srgbClr val="000000"/>
                 </a:solidFill>
@@ -39643,14 +39595,14 @@
           <a:ln/>
           <a:extLst>
             <a:ext uri="{909E8E84-426E-40DD-AFC4-6F175D3DCCD1}">
-              <a14:hiddenFill xmlns:a14="http://schemas.microsoft.com/office/drawing/2010/main">
+              <a14:hiddenFill xmlns:a14="http://schemas.microsoft.com/office/drawing/2010/main" xmlns="">
                 <a:solidFill>
                   <a:srgbClr val="FFFFFF"/>
                 </a:solidFill>
               </a14:hiddenFill>
             </a:ext>
             <a:ext uri="{91240B29-F687-4F45-9708-019B960494DF}">
-              <a14:hiddenLine xmlns:a14="http://schemas.microsoft.com/office/drawing/2010/main" w="9525">
+              <a14:hiddenLine xmlns:a14="http://schemas.microsoft.com/office/drawing/2010/main" xmlns="" w="9525">
                 <a:solidFill>
                   <a:srgbClr val="000000"/>
                 </a:solidFill>
@@ -39924,14 +39876,14 @@
           <a:ln/>
           <a:extLst>
             <a:ext uri="{909E8E84-426E-40DD-AFC4-6F175D3DCCD1}">
-              <a14:hiddenFill xmlns:a14="http://schemas.microsoft.com/office/drawing/2010/main">
+              <a14:hiddenFill xmlns:a14="http://schemas.microsoft.com/office/drawing/2010/main" xmlns="">
                 <a:solidFill>
                   <a:srgbClr val="FFFFFF"/>
                 </a:solidFill>
               </a14:hiddenFill>
             </a:ext>
             <a:ext uri="{91240B29-F687-4F45-9708-019B960494DF}">
-              <a14:hiddenLine xmlns:a14="http://schemas.microsoft.com/office/drawing/2010/main" w="9525">
+              <a14:hiddenLine xmlns:a14="http://schemas.microsoft.com/office/drawing/2010/main" xmlns="" w="9525">
                 <a:solidFill>
                   <a:srgbClr val="000000"/>
                 </a:solidFill>
@@ -40181,14 +40133,14 @@
           </a:ln>
           <a:extLst>
             <a:ext uri="{909E8E84-426E-40DD-AFC4-6F175D3DCCD1}">
-              <a14:hiddenFill xmlns:a14="http://schemas.microsoft.com/office/drawing/2010/main">
+              <a14:hiddenFill xmlns:a14="http://schemas.microsoft.com/office/drawing/2010/main" xmlns="">
                 <a:solidFill>
                   <a:srgbClr val="FFFFFF"/>
                 </a:solidFill>
               </a14:hiddenFill>
             </a:ext>
             <a:ext uri="{91240B29-F687-4F45-9708-019B960494DF}">
-              <a14:hiddenLine xmlns:a14="http://schemas.microsoft.com/office/drawing/2010/main" w="9525">
+              <a14:hiddenLine xmlns:a14="http://schemas.microsoft.com/office/drawing/2010/main" xmlns="" w="9525">
                 <a:solidFill>
                   <a:srgbClr val="000000"/>
                 </a:solidFill>
@@ -40410,14 +40362,14 @@
           <a:ln/>
           <a:extLst>
             <a:ext uri="{909E8E84-426E-40DD-AFC4-6F175D3DCCD1}">
-              <a14:hiddenFill xmlns:a14="http://schemas.microsoft.com/office/drawing/2010/main">
+              <a14:hiddenFill xmlns:a14="http://schemas.microsoft.com/office/drawing/2010/main" xmlns="">
                 <a:solidFill>
                   <a:srgbClr val="FFFFFF"/>
                 </a:solidFill>
               </a14:hiddenFill>
             </a:ext>
             <a:ext uri="{91240B29-F687-4F45-9708-019B960494DF}">
-              <a14:hiddenLine xmlns:a14="http://schemas.microsoft.com/office/drawing/2010/main" w="9525">
+              <a14:hiddenLine xmlns:a14="http://schemas.microsoft.com/office/drawing/2010/main" xmlns="" w="9525">
                 <a:solidFill>
                   <a:srgbClr val="000000"/>
                 </a:solidFill>
@@ -41059,14 +41011,14 @@
           <a:ln/>
           <a:extLst>
             <a:ext uri="{909E8E84-426E-40DD-AFC4-6F175D3DCCD1}">
-              <a14:hiddenFill xmlns:a14="http://schemas.microsoft.com/office/drawing/2010/main">
+              <a14:hiddenFill xmlns:a14="http://schemas.microsoft.com/office/drawing/2010/main" xmlns="">
                 <a:solidFill>
                   <a:srgbClr val="FFFFFF"/>
                 </a:solidFill>
               </a14:hiddenFill>
             </a:ext>
             <a:ext uri="{91240B29-F687-4F45-9708-019B960494DF}">
-              <a14:hiddenLine xmlns:a14="http://schemas.microsoft.com/office/drawing/2010/main" w="9525">
+              <a14:hiddenLine xmlns:a14="http://schemas.microsoft.com/office/drawing/2010/main" xmlns="" w="9525">
                 <a:solidFill>
                   <a:srgbClr val="000000"/>
                 </a:solidFill>
@@ -42022,14 +41974,14 @@
           <a:ln/>
           <a:extLst>
             <a:ext uri="{909E8E84-426E-40DD-AFC4-6F175D3DCCD1}">
-              <a14:hiddenFill xmlns:a14="http://schemas.microsoft.com/office/drawing/2010/main">
+              <a14:hiddenFill xmlns:a14="http://schemas.microsoft.com/office/drawing/2010/main" xmlns="">
                 <a:solidFill>
                   <a:srgbClr val="FFFFFF"/>
                 </a:solidFill>
               </a14:hiddenFill>
             </a:ext>
             <a:ext uri="{91240B29-F687-4F45-9708-019B960494DF}">
-              <a14:hiddenLine xmlns:a14="http://schemas.microsoft.com/office/drawing/2010/main" w="9525">
+              <a14:hiddenLine xmlns:a14="http://schemas.microsoft.com/office/drawing/2010/main" xmlns="" w="9525">
                 <a:solidFill>
                   <a:srgbClr val="000000"/>
                 </a:solidFill>
@@ -42216,11 +42168,11 @@
   <p:clrMapOvr>
     <a:masterClrMapping/>
   </p:clrMapOvr>
-  <mc:AlternateContent xmlns:mc="http://schemas.openxmlformats.org/markup-compatibility/2006" xmlns:p14="http://schemas.microsoft.com/office/powerpoint/2010/main">
-    <mc:Choice Requires="p14">
+  <mc:AlternateContent xmlns:mc="http://schemas.openxmlformats.org/markup-compatibility/2006">
+    <mc:Choice xmlns:p14="http://schemas.microsoft.com/office/powerpoint/2010/main" xmlns="" Requires="p14">
       <p:transition spd="slow" p14:dur="2000"/>
     </mc:Choice>
-    <mc:Fallback xmlns="">
+    <mc:Fallback>
       <p:transition spd="slow"/>
     </mc:Fallback>
   </mc:AlternateContent>
@@ -42266,14 +42218,14 @@
           <a:ln/>
           <a:extLst>
             <a:ext uri="{909E8E84-426E-40DD-AFC4-6F175D3DCCD1}">
-              <a14:hiddenFill xmlns:a14="http://schemas.microsoft.com/office/drawing/2010/main">
+              <a14:hiddenFill xmlns:a14="http://schemas.microsoft.com/office/drawing/2010/main" xmlns="">
                 <a:solidFill>
                   <a:srgbClr val="FFFFFF"/>
                 </a:solidFill>
               </a14:hiddenFill>
             </a:ext>
             <a:ext uri="{91240B29-F687-4F45-9708-019B960494DF}">
-              <a14:hiddenLine xmlns:a14="http://schemas.microsoft.com/office/drawing/2010/main" w="9525">
+              <a14:hiddenLine xmlns:a14="http://schemas.microsoft.com/office/drawing/2010/main" xmlns="" w="9525">
                 <a:solidFill>
                   <a:srgbClr val="000000"/>
                 </a:solidFill>
@@ -42643,14 +42595,14 @@
           <a:ln/>
           <a:extLst>
             <a:ext uri="{909E8E84-426E-40DD-AFC4-6F175D3DCCD1}">
-              <a14:hiddenFill xmlns:a14="http://schemas.microsoft.com/office/drawing/2010/main">
+              <a14:hiddenFill xmlns:a14="http://schemas.microsoft.com/office/drawing/2010/main" xmlns="">
                 <a:solidFill>
                   <a:srgbClr val="FFFFFF"/>
                 </a:solidFill>
               </a14:hiddenFill>
             </a:ext>
             <a:ext uri="{91240B29-F687-4F45-9708-019B960494DF}">
-              <a14:hiddenLine xmlns:a14="http://schemas.microsoft.com/office/drawing/2010/main" w="9525">
+              <a14:hiddenLine xmlns:a14="http://schemas.microsoft.com/office/drawing/2010/main" xmlns="" w="9525">
                 <a:solidFill>
                   <a:srgbClr val="000000"/>
                 </a:solidFill>
@@ -46093,14 +46045,14 @@
           <a:ln/>
           <a:extLst>
             <a:ext uri="{909E8E84-426E-40DD-AFC4-6F175D3DCCD1}">
-              <a14:hiddenFill xmlns:a14="http://schemas.microsoft.com/office/drawing/2010/main">
+              <a14:hiddenFill xmlns:a14="http://schemas.microsoft.com/office/drawing/2010/main" xmlns="">
                 <a:solidFill>
                   <a:srgbClr val="FFFFFF"/>
                 </a:solidFill>
               </a14:hiddenFill>
             </a:ext>
             <a:ext uri="{91240B29-F687-4F45-9708-019B960494DF}">
-              <a14:hiddenLine xmlns:a14="http://schemas.microsoft.com/office/drawing/2010/main" w="9525">
+              <a14:hiddenLine xmlns:a14="http://schemas.microsoft.com/office/drawing/2010/main" xmlns="" w="9525">
                 <a:solidFill>
                   <a:srgbClr val="000000"/>
                 </a:solidFill>
@@ -49009,14 +48961,14 @@
           <a:ln/>
           <a:extLst>
             <a:ext uri="{909E8E84-426E-40DD-AFC4-6F175D3DCCD1}">
-              <a14:hiddenFill xmlns:a14="http://schemas.microsoft.com/office/drawing/2010/main">
+              <a14:hiddenFill xmlns:a14="http://schemas.microsoft.com/office/drawing/2010/main" xmlns="">
                 <a:solidFill>
                   <a:srgbClr val="FFFFFF"/>
                 </a:solidFill>
               </a14:hiddenFill>
             </a:ext>
             <a:ext uri="{91240B29-F687-4F45-9708-019B960494DF}">
-              <a14:hiddenLine xmlns:a14="http://schemas.microsoft.com/office/drawing/2010/main" w="9525">
+              <a14:hiddenLine xmlns:a14="http://schemas.microsoft.com/office/drawing/2010/main" xmlns="" w="9525">
                 <a:solidFill>
                   <a:srgbClr val="000000"/>
                 </a:solidFill>
@@ -49269,14 +49221,14 @@
           <a:ln/>
           <a:extLst>
             <a:ext uri="{909E8E84-426E-40DD-AFC4-6F175D3DCCD1}">
-              <a14:hiddenFill xmlns:a14="http://schemas.microsoft.com/office/drawing/2010/main">
+              <a14:hiddenFill xmlns:a14="http://schemas.microsoft.com/office/drawing/2010/main" xmlns="">
                 <a:solidFill>
                   <a:srgbClr val="FFFFFF"/>
                 </a:solidFill>
               </a14:hiddenFill>
             </a:ext>
             <a:ext uri="{91240B29-F687-4F45-9708-019B960494DF}">
-              <a14:hiddenLine xmlns:a14="http://schemas.microsoft.com/office/drawing/2010/main" w="9525">
+              <a14:hiddenLine xmlns:a14="http://schemas.microsoft.com/office/drawing/2010/main" xmlns="" w="9525">
                 <a:solidFill>
                   <a:srgbClr val="000000"/>
                 </a:solidFill>
@@ -49523,14 +49475,14 @@
           <a:ln/>
           <a:extLst>
             <a:ext uri="{909E8E84-426E-40DD-AFC4-6F175D3DCCD1}">
-              <a14:hiddenFill xmlns:a14="http://schemas.microsoft.com/office/drawing/2010/main">
+              <a14:hiddenFill xmlns:a14="http://schemas.microsoft.com/office/drawing/2010/main" xmlns="">
                 <a:solidFill>
                   <a:srgbClr val="FFFFFF"/>
                 </a:solidFill>
               </a14:hiddenFill>
             </a:ext>
             <a:ext uri="{91240B29-F687-4F45-9708-019B960494DF}">
-              <a14:hiddenLine xmlns:a14="http://schemas.microsoft.com/office/drawing/2010/main" w="9525">
+              <a14:hiddenLine xmlns:a14="http://schemas.microsoft.com/office/drawing/2010/main" xmlns="" w="9525">
                 <a:solidFill>
                   <a:srgbClr val="000000"/>
                 </a:solidFill>
@@ -49863,14 +49815,14 @@
           <a:ln/>
           <a:extLst>
             <a:ext uri="{909E8E84-426E-40DD-AFC4-6F175D3DCCD1}">
-              <a14:hiddenFill xmlns:a14="http://schemas.microsoft.com/office/drawing/2010/main">
+              <a14:hiddenFill xmlns:a14="http://schemas.microsoft.com/office/drawing/2010/main" xmlns="">
                 <a:solidFill>
                   <a:srgbClr val="FFFFFF"/>
                 </a:solidFill>
               </a14:hiddenFill>
             </a:ext>
             <a:ext uri="{91240B29-F687-4F45-9708-019B960494DF}">
-              <a14:hiddenLine xmlns:a14="http://schemas.microsoft.com/office/drawing/2010/main" w="9525">
+              <a14:hiddenLine xmlns:a14="http://schemas.microsoft.com/office/drawing/2010/main" xmlns="" w="9525">
                 <a:solidFill>
                   <a:srgbClr val="000000"/>
                 </a:solidFill>
@@ -50152,14 +50104,14 @@
           <a:ln/>
           <a:extLst>
             <a:ext uri="{909E8E84-426E-40DD-AFC4-6F175D3DCCD1}">
-              <a14:hiddenFill xmlns:a14="http://schemas.microsoft.com/office/drawing/2010/main">
+              <a14:hiddenFill xmlns:a14="http://schemas.microsoft.com/office/drawing/2010/main" xmlns="">
                 <a:solidFill>
                   <a:srgbClr val="FFFFFF"/>
                 </a:solidFill>
               </a14:hiddenFill>
             </a:ext>
             <a:ext uri="{91240B29-F687-4F45-9708-019B960494DF}">
-              <a14:hiddenLine xmlns:a14="http://schemas.microsoft.com/office/drawing/2010/main" w="9525">
+              <a14:hiddenLine xmlns:a14="http://schemas.microsoft.com/office/drawing/2010/main" xmlns="" w="9525">
                 <a:solidFill>
                   <a:srgbClr val="000000"/>
                 </a:solidFill>
@@ -50441,14 +50393,14 @@
           <a:ln/>
           <a:extLst>
             <a:ext uri="{909E8E84-426E-40DD-AFC4-6F175D3DCCD1}">
-              <a14:hiddenFill xmlns:a14="http://schemas.microsoft.com/office/drawing/2010/main">
+              <a14:hiddenFill xmlns:a14="http://schemas.microsoft.com/office/drawing/2010/main" xmlns="">
                 <a:solidFill>
                   <a:srgbClr val="FFFFFF"/>
                 </a:solidFill>
               </a14:hiddenFill>
             </a:ext>
             <a:ext uri="{91240B29-F687-4F45-9708-019B960494DF}">
-              <a14:hiddenLine xmlns:a14="http://schemas.microsoft.com/office/drawing/2010/main" w="9525">
+              <a14:hiddenLine xmlns:a14="http://schemas.microsoft.com/office/drawing/2010/main" xmlns="" w="9525">
                 <a:solidFill>
                   <a:srgbClr val="000000"/>
                 </a:solidFill>
@@ -50832,14 +50784,14 @@
           <a:ln/>
           <a:extLst>
             <a:ext uri="{909E8E84-426E-40DD-AFC4-6F175D3DCCD1}">
-              <a14:hiddenFill xmlns:a14="http://schemas.microsoft.com/office/drawing/2010/main">
+              <a14:hiddenFill xmlns:a14="http://schemas.microsoft.com/office/drawing/2010/main" xmlns="">
                 <a:solidFill>
                   <a:srgbClr val="FFFFFF"/>
                 </a:solidFill>
               </a14:hiddenFill>
             </a:ext>
             <a:ext uri="{91240B29-F687-4F45-9708-019B960494DF}">
-              <a14:hiddenLine xmlns:a14="http://schemas.microsoft.com/office/drawing/2010/main" w="9525">
+              <a14:hiddenLine xmlns:a14="http://schemas.microsoft.com/office/drawing/2010/main" xmlns="" w="9525">
                 <a:solidFill>
                   <a:srgbClr val="000000"/>
                 </a:solidFill>
@@ -51093,14 +51045,14 @@
           <a:ln/>
           <a:extLst>
             <a:ext uri="{909E8E84-426E-40DD-AFC4-6F175D3DCCD1}">
-              <a14:hiddenFill xmlns:a14="http://schemas.microsoft.com/office/drawing/2010/main">
+              <a14:hiddenFill xmlns:a14="http://schemas.microsoft.com/office/drawing/2010/main" xmlns="">
                 <a:solidFill>
                   <a:srgbClr val="FFFFFF"/>
                 </a:solidFill>
               </a14:hiddenFill>
             </a:ext>
             <a:ext uri="{91240B29-F687-4F45-9708-019B960494DF}">
-              <a14:hiddenLine xmlns:a14="http://schemas.microsoft.com/office/drawing/2010/main" w="9525">
+              <a14:hiddenLine xmlns:a14="http://schemas.microsoft.com/office/drawing/2010/main" xmlns="" w="9525">
                 <a:solidFill>
                   <a:srgbClr val="000000"/>
                 </a:solidFill>
@@ -51319,13 +51271,7 @@
               <a:rPr lang="ru-RU" sz="2800" dirty="0" smtClean="0">
                 <a:latin typeface="Times New Roman" pitchFamily="18" charset="0"/>
               </a:rPr>
-              <a:t> (не является привилегией администрирования) – возможность производить чтение или запись файлов на серверном хосте не связана с базой данных, к которой пользователь получает доступ</a:t>
-            </a:r>
-            <a:r>
-              <a:rPr lang="ru-RU" sz="2800" dirty="0" smtClean="0">
-                <a:latin typeface="Times New Roman" pitchFamily="18" charset="0"/>
-              </a:rPr>
-              <a:t>.</a:t>
+              <a:t> (не является привилегией администрирования) – возможность производить чтение или запись файлов на серверном хосте не связана с базой данных, к которой пользователь получает доступ.</a:t>
             </a:r>
             <a:endParaRPr lang="en-US" sz="2800" dirty="0" smtClean="0">
               <a:latin typeface="Times New Roman" pitchFamily="18" charset="0"/>
@@ -51454,14 +51400,14 @@
           <a:ln/>
           <a:extLst>
             <a:ext uri="{909E8E84-426E-40DD-AFC4-6F175D3DCCD1}">
-              <a14:hiddenFill xmlns:a14="http://schemas.microsoft.com/office/drawing/2010/main">
+              <a14:hiddenFill xmlns:a14="http://schemas.microsoft.com/office/drawing/2010/main" xmlns="">
                 <a:solidFill>
                   <a:srgbClr val="FFFFFF"/>
                 </a:solidFill>
               </a14:hiddenFill>
             </a:ext>
             <a:ext uri="{91240B29-F687-4F45-9708-019B960494DF}">
-              <a14:hiddenLine xmlns:a14="http://schemas.microsoft.com/office/drawing/2010/main" w="9525">
+              <a14:hiddenLine xmlns:a14="http://schemas.microsoft.com/office/drawing/2010/main" xmlns="" w="9525">
                 <a:solidFill>
                   <a:srgbClr val="000000"/>
                 </a:solidFill>
@@ -51933,14 +51879,14 @@
           <a:ln/>
           <a:extLst>
             <a:ext uri="{909E8E84-426E-40DD-AFC4-6F175D3DCCD1}">
-              <a14:hiddenFill xmlns:a14="http://schemas.microsoft.com/office/drawing/2010/main">
+              <a14:hiddenFill xmlns:a14="http://schemas.microsoft.com/office/drawing/2010/main" xmlns="">
                 <a:solidFill>
                   <a:srgbClr val="FFFFFF"/>
                 </a:solidFill>
               </a14:hiddenFill>
             </a:ext>
             <a:ext uri="{91240B29-F687-4F45-9708-019B960494DF}">
-              <a14:hiddenLine xmlns:a14="http://schemas.microsoft.com/office/drawing/2010/main" w="9525">
+              <a14:hiddenLine xmlns:a14="http://schemas.microsoft.com/office/drawing/2010/main" xmlns="" w="9525">
                 <a:solidFill>
                   <a:srgbClr val="000000"/>
                 </a:solidFill>
@@ -52242,14 +52188,14 @@
           <a:ln/>
           <a:extLst>
             <a:ext uri="{909E8E84-426E-40DD-AFC4-6F175D3DCCD1}">
-              <a14:hiddenFill xmlns:a14="http://schemas.microsoft.com/office/drawing/2010/main">
+              <a14:hiddenFill xmlns:a14="http://schemas.microsoft.com/office/drawing/2010/main" xmlns="">
                 <a:solidFill>
                   <a:srgbClr val="FFFFFF"/>
                 </a:solidFill>
               </a14:hiddenFill>
             </a:ext>
             <a:ext uri="{91240B29-F687-4F45-9708-019B960494DF}">
-              <a14:hiddenLine xmlns:a14="http://schemas.microsoft.com/office/drawing/2010/main" w="9525">
+              <a14:hiddenLine xmlns:a14="http://schemas.microsoft.com/office/drawing/2010/main" xmlns="" w="9525">
                 <a:solidFill>
                   <a:srgbClr val="000000"/>
                 </a:solidFill>
@@ -52448,20 +52394,7 @@
                   </a:outerShdw>
                 </a:effectLst>
               </a:rPr>
-              <a:t>LANGUAGE </a:t>
-            </a:r>
-            <a:r>
-              <a:rPr lang="en-US" dirty="0" smtClean="0">
-                <a:solidFill>
-                  <a:srgbClr val="000099"/>
-                </a:solidFill>
-                <a:effectLst>
-                  <a:outerShdw blurRad="38100" dist="38100" dir="2700000" algn="tl">
-                    <a:srgbClr val="C0C0C0"/>
-                  </a:outerShdw>
-                </a:effectLst>
-              </a:rPr>
-              <a:t>SQL </a:t>
+              <a:t>LANGUAGE SQL </a:t>
             </a:r>
           </a:p>
           <a:p>
@@ -52858,14 +52791,14 @@
           <a:ln/>
           <a:extLst>
             <a:ext uri="{909E8E84-426E-40DD-AFC4-6F175D3DCCD1}">
-              <a14:hiddenFill xmlns:a14="http://schemas.microsoft.com/office/drawing/2010/main">
+              <a14:hiddenFill xmlns:a14="http://schemas.microsoft.com/office/drawing/2010/main" xmlns="">
                 <a:solidFill>
                   <a:srgbClr val="FFFFFF"/>
                 </a:solidFill>
               </a14:hiddenFill>
             </a:ext>
             <a:ext uri="{91240B29-F687-4F45-9708-019B960494DF}">
-              <a14:hiddenLine xmlns:a14="http://schemas.microsoft.com/office/drawing/2010/main" w="9525">
+              <a14:hiddenLine xmlns:a14="http://schemas.microsoft.com/office/drawing/2010/main" xmlns="" w="9525">
                 <a:solidFill>
                   <a:srgbClr val="000000"/>
                 </a:solidFill>
